--- a/docs/Droonga20130927.pptx
+++ b/docs/Droonga20130927.pptx
@@ -21,6 +21,7 @@
     <p:sldId id="271" r:id="rId15"/>
     <p:sldId id="266" r:id="rId16"/>
     <p:sldId id="267" r:id="rId17"/>
+    <p:sldId id="272" r:id="rId18"/>
   </p:sldIdLst>
   <p:sldSz cx="9144000" cy="6858000" type="screen4x3"/>
   <p:notesSz cx="6858000" cy="9144000"/>
@@ -3394,6 +3395,13 @@
         </dgm:presLayoutVars>
       </dgm:prSet>
       <dgm:spPr/>
+      <dgm:t>
+        <a:bodyPr/>
+        <a:lstStyle/>
+        <a:p>
+          <a:endParaRPr kumimoji="1" lang="ja-JP" altLang="en-US"/>
+        </a:p>
+      </dgm:t>
     </dgm:pt>
     <dgm:pt modelId="{29857CF1-4927-704B-A317-59AC3E9CBC76}" type="pres">
       <dgm:prSet presAssocID="{A5C761C1-6D8B-C24D-8CDF-AFBDD3CD0387}" presName="vertOne" presStyleCnt="0"/>
@@ -3437,6 +3445,13 @@
           <a:avLst/>
         </a:prstGeom>
       </dgm:spPr>
+      <dgm:t>
+        <a:bodyPr/>
+        <a:lstStyle/>
+        <a:p>
+          <a:endParaRPr kumimoji="1" lang="ja-JP" altLang="en-US"/>
+        </a:p>
+      </dgm:t>
     </dgm:pt>
     <dgm:pt modelId="{9830EDD8-BAE9-F646-9A6D-C5BE16050255}" type="pres">
       <dgm:prSet presAssocID="{0F7F3DAB-6085-AE4B-9576-2B0057D07128}" presName="parTransTwo" presStyleCnt="0"/>
@@ -3457,6 +3472,13 @@
         </dgm:presLayoutVars>
       </dgm:prSet>
       <dgm:spPr/>
+      <dgm:t>
+        <a:bodyPr/>
+        <a:lstStyle/>
+        <a:p>
+          <a:endParaRPr kumimoji="1" lang="ja-JP" altLang="en-US"/>
+        </a:p>
+      </dgm:t>
     </dgm:pt>
     <dgm:pt modelId="{CB91B352-87D1-AA43-A083-ECAD090858AE}" type="pres">
       <dgm:prSet presAssocID="{318550F1-FCC8-FF47-9BF1-D9A7B8793C3E}" presName="parTransThree" presStyleCnt="0"/>
@@ -3512,6 +3534,13 @@
         </dgm:presLayoutVars>
       </dgm:prSet>
       <dgm:spPr/>
+      <dgm:t>
+        <a:bodyPr/>
+        <a:lstStyle/>
+        <a:p>
+          <a:endParaRPr kumimoji="1" lang="ja-JP" altLang="en-US"/>
+        </a:p>
+      </dgm:t>
     </dgm:pt>
     <dgm:pt modelId="{B4D0A999-0FDC-BE43-92E4-7CCF4F62A4EB}" type="pres">
       <dgm:prSet presAssocID="{9A7646CA-C065-CE46-B992-96C8A41D6E0D}" presName="horzFour" presStyleCnt="0"/>
@@ -3536,6 +3565,13 @@
         </dgm:presLayoutVars>
       </dgm:prSet>
       <dgm:spPr/>
+      <dgm:t>
+        <a:bodyPr/>
+        <a:lstStyle/>
+        <a:p>
+          <a:endParaRPr kumimoji="1" lang="ja-JP" altLang="en-US"/>
+        </a:p>
+      </dgm:t>
     </dgm:pt>
     <dgm:pt modelId="{632EB869-9347-2648-AF6E-2966DA1A660E}" type="pres">
       <dgm:prSet presAssocID="{5D9E251F-3D9C-F94E-9DC8-FE995E63B253}" presName="horzFour" presStyleCnt="0"/>
@@ -3574,21 +3610,21 @@
     </dgm:pt>
   </dgm:ptLst>
   <dgm:cxnLst>
+    <dgm:cxn modelId="{1FD3A1CD-ACFD-454D-BF8F-3087E9565BC3}" srcId="{DF4BE843-62F9-AA40-B2E9-C5A0AC924B70}" destId="{A5C761C1-6D8B-C24D-8CDF-AFBDD3CD0387}" srcOrd="0" destOrd="0" parTransId="{749C56C7-0508-3E42-BB44-70A19624D060}" sibTransId="{F5973DFE-56C9-9F46-961C-1073E1190C67}"/>
+    <dgm:cxn modelId="{032D8C66-B880-904E-9A22-90EED47964D5}" srcId="{318550F1-FCC8-FF47-9BF1-D9A7B8793C3E}" destId="{6BF53B8F-14F1-2745-8900-0FB10E884E50}" srcOrd="0" destOrd="0" parTransId="{E59AA9AE-C326-7E40-AED9-1B81536503BE}" sibTransId="{48EC0FD2-857E-2140-B324-BC9CB5915E7A}"/>
     <dgm:cxn modelId="{343DD165-E8B1-3D45-96A4-5E251A9AFE58}" type="presOf" srcId="{0F7F3DAB-6085-AE4B-9576-2B0057D07128}" destId="{5314C833-0AFF-344B-8EFA-83EC5851EA8E}" srcOrd="0" destOrd="0" presId="urn:microsoft.com/office/officeart/2005/8/layout/hierarchy4"/>
+    <dgm:cxn modelId="{7B48B4CE-3796-9144-83C2-74F000B0506A}" type="presOf" srcId="{DF4BE843-62F9-AA40-B2E9-C5A0AC924B70}" destId="{CDA34FF2-FF42-6A40-B9FB-707A6794A196}" srcOrd="0" destOrd="0" presId="urn:microsoft.com/office/officeart/2005/8/layout/hierarchy4"/>
+    <dgm:cxn modelId="{8153813A-18C0-9649-B7A8-C5D1058B7E81}" type="presOf" srcId="{A5C761C1-6D8B-C24D-8CDF-AFBDD3CD0387}" destId="{14BAE512-1EBF-5C4A-98B0-5F47C44A840B}" srcOrd="0" destOrd="0" presId="urn:microsoft.com/office/officeart/2005/8/layout/hierarchy4"/>
+    <dgm:cxn modelId="{864BFD1F-1414-4A40-814D-BD092E5D49E7}" srcId="{318550F1-FCC8-FF47-9BF1-D9A7B8793C3E}" destId="{9A7646CA-C065-CE46-B992-96C8A41D6E0D}" srcOrd="1" destOrd="0" parTransId="{87FB009D-B314-A943-BB03-FA27C681EDAA}" sibTransId="{E6B36471-2DF3-2A4C-8B39-8FFE6685D7EF}"/>
+    <dgm:cxn modelId="{9598434C-E476-3846-84C2-56B71CA5BF35}" type="presOf" srcId="{9A7646CA-C065-CE46-B992-96C8A41D6E0D}" destId="{E3A8728A-4097-AB4E-B3DC-028129A7CA2B}" srcOrd="0" destOrd="0" presId="urn:microsoft.com/office/officeart/2005/8/layout/hierarchy4"/>
     <dgm:cxn modelId="{C304340A-1037-F74E-AA8A-F1051E76647F}" type="presOf" srcId="{6BF53B8F-14F1-2745-8900-0FB10E884E50}" destId="{F80AE50C-0765-C540-ADF1-5C7373AD566C}" srcOrd="0" destOrd="0" presId="urn:microsoft.com/office/officeart/2005/8/layout/hierarchy4"/>
-    <dgm:cxn modelId="{864BFD1F-1414-4A40-814D-BD092E5D49E7}" srcId="{318550F1-FCC8-FF47-9BF1-D9A7B8793C3E}" destId="{9A7646CA-C065-CE46-B992-96C8A41D6E0D}" srcOrd="1" destOrd="0" parTransId="{87FB009D-B314-A943-BB03-FA27C681EDAA}" sibTransId="{E6B36471-2DF3-2A4C-8B39-8FFE6685D7EF}"/>
+    <dgm:cxn modelId="{6702C6E5-2D9C-B048-BF2C-BBD10426B862}" srcId="{0F7F3DAB-6085-AE4B-9576-2B0057D07128}" destId="{318550F1-FCC8-FF47-9BF1-D9A7B8793C3E}" srcOrd="0" destOrd="0" parTransId="{20D0DE02-FAAA-9945-AFF0-526CBB1BBA3F}" sibTransId="{08D7C474-2DAC-454F-BB3B-95CC703A6F3A}"/>
     <dgm:cxn modelId="{E4BAE686-0DE4-E842-B5E5-CAFB928EBE40}" type="presOf" srcId="{C4996F2C-BA51-2541-9F17-5FF015E2CB91}" destId="{AB04B1DE-9825-AC4E-85A2-F4D18B79DC19}" srcOrd="0" destOrd="0" presId="urn:microsoft.com/office/officeart/2005/8/layout/hierarchy4"/>
+    <dgm:cxn modelId="{D3F8A14F-9497-E54D-BB85-6D3CD99C5BFB}" srcId="{318550F1-FCC8-FF47-9BF1-D9A7B8793C3E}" destId="{C4996F2C-BA51-2541-9F17-5FF015E2CB91}" srcOrd="3" destOrd="0" parTransId="{0A168B09-8DEE-1C45-B1D9-0C7F7DC955C3}" sibTransId="{63DA1156-0FC3-1149-A0D3-89A133ECEA36}"/>
+    <dgm:cxn modelId="{62F9D460-C826-7449-9CB7-95D407E31670}" srcId="{A5C761C1-6D8B-C24D-8CDF-AFBDD3CD0387}" destId="{0F7F3DAB-6085-AE4B-9576-2B0057D07128}" srcOrd="0" destOrd="0" parTransId="{4AFBF8EF-A245-BF40-B3AF-664DD8A89028}" sibTransId="{80E257B6-3738-2D46-8F31-6861E5990295}"/>
     <dgm:cxn modelId="{15E8A448-8A41-D64E-AD38-445D35F0F200}" type="presOf" srcId="{318550F1-FCC8-FF47-9BF1-D9A7B8793C3E}" destId="{C57D6DC1-1D55-214B-8064-C4EC9E42B51A}" srcOrd="0" destOrd="0" presId="urn:microsoft.com/office/officeart/2005/8/layout/hierarchy4"/>
-    <dgm:cxn modelId="{62F9D460-C826-7449-9CB7-95D407E31670}" srcId="{A5C761C1-6D8B-C24D-8CDF-AFBDD3CD0387}" destId="{0F7F3DAB-6085-AE4B-9576-2B0057D07128}" srcOrd="0" destOrd="0" parTransId="{4AFBF8EF-A245-BF40-B3AF-664DD8A89028}" sibTransId="{80E257B6-3738-2D46-8F31-6861E5990295}"/>
-    <dgm:cxn modelId="{6702C6E5-2D9C-B048-BF2C-BBD10426B862}" srcId="{0F7F3DAB-6085-AE4B-9576-2B0057D07128}" destId="{318550F1-FCC8-FF47-9BF1-D9A7B8793C3E}" srcOrd="0" destOrd="0" parTransId="{20D0DE02-FAAA-9945-AFF0-526CBB1BBA3F}" sibTransId="{08D7C474-2DAC-454F-BB3B-95CC703A6F3A}"/>
-    <dgm:cxn modelId="{7B48B4CE-3796-9144-83C2-74F000B0506A}" type="presOf" srcId="{DF4BE843-62F9-AA40-B2E9-C5A0AC924B70}" destId="{CDA34FF2-FF42-6A40-B9FB-707A6794A196}" srcOrd="0" destOrd="0" presId="urn:microsoft.com/office/officeart/2005/8/layout/hierarchy4"/>
-    <dgm:cxn modelId="{D3F8A14F-9497-E54D-BB85-6D3CD99C5BFB}" srcId="{318550F1-FCC8-FF47-9BF1-D9A7B8793C3E}" destId="{C4996F2C-BA51-2541-9F17-5FF015E2CB91}" srcOrd="3" destOrd="0" parTransId="{0A168B09-8DEE-1C45-B1D9-0C7F7DC955C3}" sibTransId="{63DA1156-0FC3-1149-A0D3-89A133ECEA36}"/>
     <dgm:cxn modelId="{21814708-4688-8646-93E4-ADC8E98B0115}" type="presOf" srcId="{5D9E251F-3D9C-F94E-9DC8-FE995E63B253}" destId="{0A2B87AB-A165-A84F-B42D-13ABEF9CE976}" srcOrd="0" destOrd="0" presId="urn:microsoft.com/office/officeart/2005/8/layout/hierarchy4"/>
-    <dgm:cxn modelId="{032D8C66-B880-904E-9A22-90EED47964D5}" srcId="{318550F1-FCC8-FF47-9BF1-D9A7B8793C3E}" destId="{6BF53B8F-14F1-2745-8900-0FB10E884E50}" srcOrd="0" destOrd="0" parTransId="{E59AA9AE-C326-7E40-AED9-1B81536503BE}" sibTransId="{48EC0FD2-857E-2140-B324-BC9CB5915E7A}"/>
     <dgm:cxn modelId="{56D8A487-EF69-AD46-AF11-4AFF0DAB3F4B}" srcId="{318550F1-FCC8-FF47-9BF1-D9A7B8793C3E}" destId="{5D9E251F-3D9C-F94E-9DC8-FE995E63B253}" srcOrd="2" destOrd="0" parTransId="{C872CA74-6743-4841-B772-586DC695F519}" sibTransId="{91158F5E-CF1E-A24A-992E-5E0EDDF46D3B}"/>
-    <dgm:cxn modelId="{1FD3A1CD-ACFD-454D-BF8F-3087E9565BC3}" srcId="{DF4BE843-62F9-AA40-B2E9-C5A0AC924B70}" destId="{A5C761C1-6D8B-C24D-8CDF-AFBDD3CD0387}" srcOrd="0" destOrd="0" parTransId="{749C56C7-0508-3E42-BB44-70A19624D060}" sibTransId="{F5973DFE-56C9-9F46-961C-1073E1190C67}"/>
-    <dgm:cxn modelId="{9598434C-E476-3846-84C2-56B71CA5BF35}" type="presOf" srcId="{9A7646CA-C065-CE46-B992-96C8A41D6E0D}" destId="{E3A8728A-4097-AB4E-B3DC-028129A7CA2B}" srcOrd="0" destOrd="0" presId="urn:microsoft.com/office/officeart/2005/8/layout/hierarchy4"/>
-    <dgm:cxn modelId="{8153813A-18C0-9649-B7A8-C5D1058B7E81}" type="presOf" srcId="{A5C761C1-6D8B-C24D-8CDF-AFBDD3CD0387}" destId="{14BAE512-1EBF-5C4A-98B0-5F47C44A840B}" srcOrd="0" destOrd="0" presId="urn:microsoft.com/office/officeart/2005/8/layout/hierarchy4"/>
     <dgm:cxn modelId="{3957AB4B-AB1D-1F4E-90F7-4BB1E66312DA}" type="presParOf" srcId="{CDA34FF2-FF42-6A40-B9FB-707A6794A196}" destId="{29857CF1-4927-704B-A317-59AC3E9CBC76}" srcOrd="0" destOrd="0" presId="urn:microsoft.com/office/officeart/2005/8/layout/hierarchy4"/>
     <dgm:cxn modelId="{52112448-CE3A-904B-9958-A6DA265C1F4E}" type="presParOf" srcId="{29857CF1-4927-704B-A317-59AC3E9CBC76}" destId="{14BAE512-1EBF-5C4A-98B0-5F47C44A840B}" srcOrd="0" destOrd="0" presId="urn:microsoft.com/office/officeart/2005/8/layout/hierarchy4"/>
     <dgm:cxn modelId="{A18EAAA5-96F1-8548-B503-3C9D6CE92713}" type="presParOf" srcId="{29857CF1-4927-704B-A317-59AC3E9CBC76}" destId="{21BAF4EE-A4AE-2F4A-A417-0E60F3D2CFA3}" srcOrd="1" destOrd="0" presId="urn:microsoft.com/office/officeart/2005/8/layout/hierarchy4"/>
@@ -3911,6 +3947,13 @@
         </dgm:presLayoutVars>
       </dgm:prSet>
       <dgm:spPr/>
+      <dgm:t>
+        <a:bodyPr/>
+        <a:lstStyle/>
+        <a:p>
+          <a:endParaRPr kumimoji="1" lang="ja-JP" altLang="en-US"/>
+        </a:p>
+      </dgm:t>
     </dgm:pt>
     <dgm:pt modelId="{29857CF1-4927-704B-A317-59AC3E9CBC76}" type="pres">
       <dgm:prSet presAssocID="{A5C761C1-6D8B-C24D-8CDF-AFBDD3CD0387}" presName="vertOne" presStyleCnt="0"/>
@@ -3923,6 +3966,13 @@
         </dgm:presLayoutVars>
       </dgm:prSet>
       <dgm:spPr/>
+      <dgm:t>
+        <a:bodyPr/>
+        <a:lstStyle/>
+        <a:p>
+          <a:endParaRPr kumimoji="1" lang="ja-JP" altLang="en-US"/>
+        </a:p>
+      </dgm:t>
     </dgm:pt>
     <dgm:pt modelId="{21BAF4EE-A4AE-2F4A-A417-0E60F3D2CFA3}" type="pres">
       <dgm:prSet presAssocID="{A5C761C1-6D8B-C24D-8CDF-AFBDD3CD0387}" presName="parTransOne" presStyleCnt="0"/>
@@ -3943,6 +3993,13 @@
         </dgm:presLayoutVars>
       </dgm:prSet>
       <dgm:spPr/>
+      <dgm:t>
+        <a:bodyPr/>
+        <a:lstStyle/>
+        <a:p>
+          <a:endParaRPr kumimoji="1" lang="ja-JP" altLang="en-US"/>
+        </a:p>
+      </dgm:t>
     </dgm:pt>
     <dgm:pt modelId="{9830EDD8-BAE9-F646-9A6D-C5BE16050255}" type="pres">
       <dgm:prSet presAssocID="{0F7F3DAB-6085-AE4B-9576-2B0057D07128}" presName="parTransTwo" presStyleCnt="0"/>
@@ -3963,6 +4020,13 @@
         </dgm:presLayoutVars>
       </dgm:prSet>
       <dgm:spPr/>
+      <dgm:t>
+        <a:bodyPr/>
+        <a:lstStyle/>
+        <a:p>
+          <a:endParaRPr kumimoji="1" lang="ja-JP" altLang="en-US"/>
+        </a:p>
+      </dgm:t>
     </dgm:pt>
     <dgm:pt modelId="{CB91B352-87D1-AA43-A083-ECAD090858AE}" type="pres">
       <dgm:prSet presAssocID="{318550F1-FCC8-FF47-9BF1-D9A7B8793C3E}" presName="parTransThree" presStyleCnt="0"/>
@@ -4018,6 +4082,13 @@
         </dgm:presLayoutVars>
       </dgm:prSet>
       <dgm:spPr/>
+      <dgm:t>
+        <a:bodyPr/>
+        <a:lstStyle/>
+        <a:p>
+          <a:endParaRPr kumimoji="1" lang="ja-JP" altLang="en-US"/>
+        </a:p>
+      </dgm:t>
     </dgm:pt>
     <dgm:pt modelId="{B4D0A999-0FDC-BE43-92E4-7CCF4F62A4EB}" type="pres">
       <dgm:prSet presAssocID="{9A7646CA-C065-CE46-B992-96C8A41D6E0D}" presName="horzFour" presStyleCnt="0"/>
@@ -4042,6 +4113,13 @@
         </dgm:presLayoutVars>
       </dgm:prSet>
       <dgm:spPr/>
+      <dgm:t>
+        <a:bodyPr/>
+        <a:lstStyle/>
+        <a:p>
+          <a:endParaRPr kumimoji="1" lang="ja-JP" altLang="en-US"/>
+        </a:p>
+      </dgm:t>
     </dgm:pt>
     <dgm:pt modelId="{632EB869-9347-2648-AF6E-2966DA1A660E}" type="pres">
       <dgm:prSet presAssocID="{5D9E251F-3D9C-F94E-9DC8-FE995E63B253}" presName="horzFour" presStyleCnt="0"/>
@@ -4090,8 +4168,8 @@
     <dgm:cxn modelId="{62F9D460-C826-7449-9CB7-95D407E31670}" srcId="{A5C761C1-6D8B-C24D-8CDF-AFBDD3CD0387}" destId="{0F7F3DAB-6085-AE4B-9576-2B0057D07128}" srcOrd="0" destOrd="0" parTransId="{4AFBF8EF-A245-BF40-B3AF-664DD8A89028}" sibTransId="{80E257B6-3738-2D46-8F31-6861E5990295}"/>
     <dgm:cxn modelId="{032D8C66-B880-904E-9A22-90EED47964D5}" srcId="{318550F1-FCC8-FF47-9BF1-D9A7B8793C3E}" destId="{6BF53B8F-14F1-2745-8900-0FB10E884E50}" srcOrd="0" destOrd="0" parTransId="{E59AA9AE-C326-7E40-AED9-1B81536503BE}" sibTransId="{48EC0FD2-857E-2140-B324-BC9CB5915E7A}"/>
     <dgm:cxn modelId="{260419BC-3A55-AF4E-8FEF-7E961E489205}" type="presOf" srcId="{DF4BE843-62F9-AA40-B2E9-C5A0AC924B70}" destId="{CDA34FF2-FF42-6A40-B9FB-707A6794A196}" srcOrd="0" destOrd="0" presId="urn:microsoft.com/office/officeart/2005/8/layout/hierarchy4"/>
+    <dgm:cxn modelId="{EEEF8753-E95C-3044-9B0C-DD4678E8C225}" type="presOf" srcId="{C4996F2C-BA51-2541-9F17-5FF015E2CB91}" destId="{AB04B1DE-9825-AC4E-85A2-F4D18B79DC19}" srcOrd="0" destOrd="0" presId="urn:microsoft.com/office/officeart/2005/8/layout/hierarchy4"/>
     <dgm:cxn modelId="{56D8A487-EF69-AD46-AF11-4AFF0DAB3F4B}" srcId="{318550F1-FCC8-FF47-9BF1-D9A7B8793C3E}" destId="{5D9E251F-3D9C-F94E-9DC8-FE995E63B253}" srcOrd="2" destOrd="0" parTransId="{C872CA74-6743-4841-B772-586DC695F519}" sibTransId="{91158F5E-CF1E-A24A-992E-5E0EDDF46D3B}"/>
-    <dgm:cxn modelId="{EEEF8753-E95C-3044-9B0C-DD4678E8C225}" type="presOf" srcId="{C4996F2C-BA51-2541-9F17-5FF015E2CB91}" destId="{AB04B1DE-9825-AC4E-85A2-F4D18B79DC19}" srcOrd="0" destOrd="0" presId="urn:microsoft.com/office/officeart/2005/8/layout/hierarchy4"/>
     <dgm:cxn modelId="{3E774411-FCDB-BA42-9369-69663BB17833}" type="presOf" srcId="{0F7F3DAB-6085-AE4B-9576-2B0057D07128}" destId="{5314C833-0AFF-344B-8EFA-83EC5851EA8E}" srcOrd="0" destOrd="0" presId="urn:microsoft.com/office/officeart/2005/8/layout/hierarchy4"/>
     <dgm:cxn modelId="{9080D775-1EE4-F241-8E15-3AEF9CA512C0}" type="presOf" srcId="{9A7646CA-C065-CE46-B992-96C8A41D6E0D}" destId="{E3A8728A-4097-AB4E-B3DC-028129A7CA2B}" srcOrd="0" destOrd="0" presId="urn:microsoft.com/office/officeart/2005/8/layout/hierarchy4"/>
     <dgm:cxn modelId="{07BCFA0C-7D6A-6042-B526-C5E6E79F4D50}" type="presOf" srcId="{5D9E251F-3D9C-F94E-9DC8-FE995E63B253}" destId="{0A2B87AB-A165-A84F-B42D-13ABEF9CE976}" srcOrd="0" destOrd="0" presId="urn:microsoft.com/office/officeart/2005/8/layout/hierarchy4"/>
@@ -4328,6 +4406,13 @@
         </dgm:presLayoutVars>
       </dgm:prSet>
       <dgm:spPr/>
+      <dgm:t>
+        <a:bodyPr/>
+        <a:lstStyle/>
+        <a:p>
+          <a:endParaRPr kumimoji="1" lang="ja-JP" altLang="en-US"/>
+        </a:p>
+      </dgm:t>
     </dgm:pt>
     <dgm:pt modelId="{6190474F-4527-D04B-9667-A0AE0BC9EC14}" type="pres">
       <dgm:prSet presAssocID="{2A13572A-CD14-3641-A2F3-611A7B49E181}" presName="axisShape" presStyleLbl="bgShp" presStyleIdx="0" presStyleCnt="1"/>
@@ -4376,6 +4461,13 @@
         </dgm:presLayoutVars>
       </dgm:prSet>
       <dgm:spPr/>
+      <dgm:t>
+        <a:bodyPr/>
+        <a:lstStyle/>
+        <a:p>
+          <a:endParaRPr kumimoji="1" lang="ja-JP" altLang="en-US"/>
+        </a:p>
+      </dgm:t>
     </dgm:pt>
     <dgm:pt modelId="{D25ECBC6-603A-2941-9943-00066A271398}" type="pres">
       <dgm:prSet presAssocID="{2A13572A-CD14-3641-A2F3-611A7B49E181}" presName="rect4" presStyleLbl="node1" presStyleIdx="3" presStyleCnt="4">
@@ -4386,18 +4478,25 @@
         </dgm:presLayoutVars>
       </dgm:prSet>
       <dgm:spPr/>
+      <dgm:t>
+        <a:bodyPr/>
+        <a:lstStyle/>
+        <a:p>
+          <a:endParaRPr kumimoji="1" lang="ja-JP" altLang="en-US"/>
+        </a:p>
+      </dgm:t>
     </dgm:pt>
   </dgm:ptLst>
   <dgm:cxnLst>
+    <dgm:cxn modelId="{FEEF2D5B-9476-3749-93A6-366C82A093DA}" srcId="{2A13572A-CD14-3641-A2F3-611A7B49E181}" destId="{AA0E880D-044C-B14F-9F5C-CA1CD8799ABC}" srcOrd="0" destOrd="0" parTransId="{23EF890B-E712-0C40-B607-D2848E63E28B}" sibTransId="{EB9D58E0-1CD3-A842-B78F-AE3FE2DD484A}"/>
+    <dgm:cxn modelId="{A34818CD-22CD-5F43-ADDA-2FE73C89C0FB}" type="presOf" srcId="{AA0E880D-044C-B14F-9F5C-CA1CD8799ABC}" destId="{120A232E-6794-744D-9526-2C5D4BD89167}" srcOrd="0" destOrd="0" presId="urn:microsoft.com/office/officeart/2005/8/layout/matrix2"/>
+    <dgm:cxn modelId="{939C1C15-1CE2-504D-82C8-766D37AA33D5}" srcId="{2A13572A-CD14-3641-A2F3-611A7B49E181}" destId="{4EF4D0D7-ED94-3C48-A7F8-B5A250920DD6}" srcOrd="2" destOrd="0" parTransId="{02C48583-29A3-F04B-BD14-77F361FC0E34}" sibTransId="{0A3C1FF3-2FFA-8745-9614-56320E83A381}"/>
+    <dgm:cxn modelId="{BA750D7E-02C2-B84B-BB3B-ADB9339E5492}" type="presOf" srcId="{2A13572A-CD14-3641-A2F3-611A7B49E181}" destId="{F3216203-22C9-064E-BDC5-36A901BC66F9}" srcOrd="0" destOrd="0" presId="urn:microsoft.com/office/officeart/2005/8/layout/matrix2"/>
+    <dgm:cxn modelId="{384BBED2-79CB-874C-A377-6F84013B8459}" type="presOf" srcId="{9F75D867-BBC6-2040-955E-0621EA13D89D}" destId="{4F6E47E5-D234-B14F-A2C7-37F3371F8346}" srcOrd="0" destOrd="0" presId="urn:microsoft.com/office/officeart/2005/8/layout/matrix2"/>
     <dgm:cxn modelId="{CC44F096-89BC-3B4F-A2FA-8AC2EDFFB880}" srcId="{2A13572A-CD14-3641-A2F3-611A7B49E181}" destId="{FC815551-AC10-BA4A-9B1B-57FC469721BF}" srcOrd="3" destOrd="0" parTransId="{C1C25F4C-FE4F-2741-B71D-609341F111FF}" sibTransId="{8BA3893C-6246-F94F-B77A-D8FD073CD5FE}"/>
-    <dgm:cxn modelId="{BA750D7E-02C2-B84B-BB3B-ADB9339E5492}" type="presOf" srcId="{2A13572A-CD14-3641-A2F3-611A7B49E181}" destId="{F3216203-22C9-064E-BDC5-36A901BC66F9}" srcOrd="0" destOrd="0" presId="urn:microsoft.com/office/officeart/2005/8/layout/matrix2"/>
+    <dgm:cxn modelId="{FF6576E2-B28D-FE44-810C-C24174650B8F}" type="presOf" srcId="{FC815551-AC10-BA4A-9B1B-57FC469721BF}" destId="{D25ECBC6-603A-2941-9943-00066A271398}" srcOrd="0" destOrd="0" presId="urn:microsoft.com/office/officeart/2005/8/layout/matrix2"/>
+    <dgm:cxn modelId="{BEB459CA-D483-A147-9118-C10B7D9F5D3E}" srcId="{2A13572A-CD14-3641-A2F3-611A7B49E181}" destId="{9F75D867-BBC6-2040-955E-0621EA13D89D}" srcOrd="1" destOrd="0" parTransId="{4A13BD8F-70EC-2749-A86E-ABF78739686A}" sibTransId="{5F73C840-65D4-394E-807F-7D3A0EC1ADFD}"/>
     <dgm:cxn modelId="{6691F5D1-B67C-594E-8CCB-A6159BA4F727}" type="presOf" srcId="{4EF4D0D7-ED94-3C48-A7F8-B5A250920DD6}" destId="{849AD685-A4EA-C14B-B9DF-89FCAE9B11A4}" srcOrd="0" destOrd="0" presId="urn:microsoft.com/office/officeart/2005/8/layout/matrix2"/>
-    <dgm:cxn modelId="{FF6576E2-B28D-FE44-810C-C24174650B8F}" type="presOf" srcId="{FC815551-AC10-BA4A-9B1B-57FC469721BF}" destId="{D25ECBC6-603A-2941-9943-00066A271398}" srcOrd="0" destOrd="0" presId="urn:microsoft.com/office/officeart/2005/8/layout/matrix2"/>
-    <dgm:cxn modelId="{A34818CD-22CD-5F43-ADDA-2FE73C89C0FB}" type="presOf" srcId="{AA0E880D-044C-B14F-9F5C-CA1CD8799ABC}" destId="{120A232E-6794-744D-9526-2C5D4BD89167}" srcOrd="0" destOrd="0" presId="urn:microsoft.com/office/officeart/2005/8/layout/matrix2"/>
-    <dgm:cxn modelId="{FEEF2D5B-9476-3749-93A6-366C82A093DA}" srcId="{2A13572A-CD14-3641-A2F3-611A7B49E181}" destId="{AA0E880D-044C-B14F-9F5C-CA1CD8799ABC}" srcOrd="0" destOrd="0" parTransId="{23EF890B-E712-0C40-B607-D2848E63E28B}" sibTransId="{EB9D58E0-1CD3-A842-B78F-AE3FE2DD484A}"/>
-    <dgm:cxn modelId="{384BBED2-79CB-874C-A377-6F84013B8459}" type="presOf" srcId="{9F75D867-BBC6-2040-955E-0621EA13D89D}" destId="{4F6E47E5-D234-B14F-A2C7-37F3371F8346}" srcOrd="0" destOrd="0" presId="urn:microsoft.com/office/officeart/2005/8/layout/matrix2"/>
-    <dgm:cxn modelId="{939C1C15-1CE2-504D-82C8-766D37AA33D5}" srcId="{2A13572A-CD14-3641-A2F3-611A7B49E181}" destId="{4EF4D0D7-ED94-3C48-A7F8-B5A250920DD6}" srcOrd="2" destOrd="0" parTransId="{02C48583-29A3-F04B-BD14-77F361FC0E34}" sibTransId="{0A3C1FF3-2FFA-8745-9614-56320E83A381}"/>
-    <dgm:cxn modelId="{BEB459CA-D483-A147-9118-C10B7D9F5D3E}" srcId="{2A13572A-CD14-3641-A2F3-611A7B49E181}" destId="{9F75D867-BBC6-2040-955E-0621EA13D89D}" srcOrd="1" destOrd="0" parTransId="{4A13BD8F-70EC-2749-A86E-ABF78739686A}" sibTransId="{5F73C840-65D4-394E-807F-7D3A0EC1ADFD}"/>
     <dgm:cxn modelId="{49938EF4-1CA4-1C47-A4CA-A6A35CF71D13}" type="presParOf" srcId="{F3216203-22C9-064E-BDC5-36A901BC66F9}" destId="{6190474F-4527-D04B-9667-A0AE0BC9EC14}" srcOrd="0" destOrd="0" presId="urn:microsoft.com/office/officeart/2005/8/layout/matrix2"/>
     <dgm:cxn modelId="{A698C127-7DE0-DD4A-9768-40C8C65C7C94}" type="presParOf" srcId="{F3216203-22C9-064E-BDC5-36A901BC66F9}" destId="{120A232E-6794-744D-9526-2C5D4BD89167}" srcOrd="1" destOrd="0" presId="urn:microsoft.com/office/officeart/2005/8/layout/matrix2"/>
     <dgm:cxn modelId="{80B3FB0F-7F6D-CE47-B81D-8C8712A445D2}" type="presParOf" srcId="{F3216203-22C9-064E-BDC5-36A901BC66F9}" destId="{4F6E47E5-D234-B14F-A2C7-37F3371F8346}" srcOrd="2" destOrd="0" presId="urn:microsoft.com/office/officeart/2005/8/layout/matrix2"/>
@@ -4929,6 +5028,13 @@
         </dgm:presLayoutVars>
       </dgm:prSet>
       <dgm:spPr/>
+      <dgm:t>
+        <a:bodyPr/>
+        <a:lstStyle/>
+        <a:p>
+          <a:endParaRPr kumimoji="1" lang="ja-JP" altLang="en-US"/>
+        </a:p>
+      </dgm:t>
     </dgm:pt>
     <dgm:pt modelId="{3D597285-47B5-094A-BA92-E738D495E7FE}" type="pres">
       <dgm:prSet presAssocID="{D166AFD3-739D-9441-BACC-0D40F3A8ABDD}" presName="compNode" presStyleCnt="0"/>
@@ -5009,10 +5115,24 @@
     <dgm:pt modelId="{776EA7F8-072D-5D40-A66F-563C41987560}" type="pres">
       <dgm:prSet presAssocID="{FEBAA4CD-30D0-C94C-87DF-D841B0EE5B73}" presName="aNode" presStyleLbl="bgShp" presStyleIdx="1" presStyleCnt="4"/>
       <dgm:spPr/>
+      <dgm:t>
+        <a:bodyPr/>
+        <a:lstStyle/>
+        <a:p>
+          <a:endParaRPr kumimoji="1" lang="ja-JP" altLang="en-US"/>
+        </a:p>
+      </dgm:t>
     </dgm:pt>
     <dgm:pt modelId="{713F320D-5666-C14C-BF3D-2CE854E78F92}" type="pres">
       <dgm:prSet presAssocID="{FEBAA4CD-30D0-C94C-87DF-D841B0EE5B73}" presName="textNode" presStyleLbl="bgShp" presStyleIdx="1" presStyleCnt="4"/>
       <dgm:spPr/>
+      <dgm:t>
+        <a:bodyPr/>
+        <a:lstStyle/>
+        <a:p>
+          <a:endParaRPr kumimoji="1" lang="ja-JP" altLang="en-US"/>
+        </a:p>
+      </dgm:t>
     </dgm:pt>
     <dgm:pt modelId="{F82A19DA-3021-1C47-93C8-E78D02A9010E}" type="pres">
       <dgm:prSet presAssocID="{FEBAA4CD-30D0-C94C-87DF-D841B0EE5B73}" presName="compChildNode" presStyleCnt="0"/>
@@ -5067,10 +5187,24 @@
     <dgm:pt modelId="{B782045C-2D85-ED41-8F22-9695C2AD03CF}" type="pres">
       <dgm:prSet presAssocID="{6D430DA8-6C7A-8C4B-9503-B3CE7A4A4FF5}" presName="aNode" presStyleLbl="bgShp" presStyleIdx="2" presStyleCnt="4"/>
       <dgm:spPr/>
+      <dgm:t>
+        <a:bodyPr/>
+        <a:lstStyle/>
+        <a:p>
+          <a:endParaRPr kumimoji="1" lang="ja-JP" altLang="en-US"/>
+        </a:p>
+      </dgm:t>
     </dgm:pt>
     <dgm:pt modelId="{75DF7C4E-A9F7-DD4F-BF03-213EE22AC64A}" type="pres">
       <dgm:prSet presAssocID="{6D430DA8-6C7A-8C4B-9503-B3CE7A4A4FF5}" presName="textNode" presStyleLbl="bgShp" presStyleIdx="2" presStyleCnt="4"/>
       <dgm:spPr/>
+      <dgm:t>
+        <a:bodyPr/>
+        <a:lstStyle/>
+        <a:p>
+          <a:endParaRPr kumimoji="1" lang="ja-JP" altLang="en-US"/>
+        </a:p>
+      </dgm:t>
     </dgm:pt>
     <dgm:pt modelId="{A436CD43-070C-074B-94DD-1FE403DE6E0C}" type="pres">
       <dgm:prSet presAssocID="{6D430DA8-6C7A-8C4B-9503-B3CE7A4A4FF5}" presName="compChildNode" presStyleCnt="0"/>
@@ -5106,6 +5240,13 @@
         </dgm:presLayoutVars>
       </dgm:prSet>
       <dgm:spPr/>
+      <dgm:t>
+        <a:bodyPr/>
+        <a:lstStyle/>
+        <a:p>
+          <a:endParaRPr kumimoji="1" lang="ja-JP" altLang="en-US"/>
+        </a:p>
+      </dgm:t>
     </dgm:pt>
     <dgm:pt modelId="{E0A43474-3C96-8F4F-BD1E-A9B8563B42FB}" type="pres">
       <dgm:prSet presAssocID="{6D430DA8-6C7A-8C4B-9503-B3CE7A4A4FF5}" presName="aSpace" presStyleCnt="0"/>
@@ -5195,8 +5336,8 @@
     <dgm:cxn modelId="{E357EE4D-D762-8B4F-AD35-68B74F57E593}" srcId="{19B63FC9-451E-384E-B5A1-136F6533022F}" destId="{56D11FE6-217C-084D-BAF1-878FB9BC29F7}" srcOrd="3" destOrd="0" parTransId="{1C79E4A3-065F-104F-84A6-809011786EAB}" sibTransId="{D4D67528-BD33-8F42-A308-E0A49D1C76B7}"/>
     <dgm:cxn modelId="{7B117BBD-7E41-644E-83D2-C89639DFF379}" srcId="{56D11FE6-217C-084D-BAF1-878FB9BC29F7}" destId="{4C4BD49E-3D6E-BE4B-93D3-9BDB7E496E67}" srcOrd="0" destOrd="0" parTransId="{1993825F-6D16-BD41-B0D1-547A6775A9FB}" sibTransId="{FB21EEC7-F006-CC4C-BEA7-1186454BFBF1}"/>
     <dgm:cxn modelId="{D1FF1BF9-943E-EB4F-BABA-2E17236B2C5D}" type="presOf" srcId="{6FC2D459-5EDA-BF47-AF30-43009160F0BE}" destId="{F4143095-594C-1F46-BBEF-E4CFE185F74A}" srcOrd="0" destOrd="0" presId="urn:microsoft.com/office/officeart/2005/8/layout/lProcess2"/>
+    <dgm:cxn modelId="{CF04A7D4-91A3-7B4D-97F9-49F9222B2604}" srcId="{19B63FC9-451E-384E-B5A1-136F6533022F}" destId="{6D430DA8-6C7A-8C4B-9503-B3CE7A4A4FF5}" srcOrd="2" destOrd="0" parTransId="{B6A53EF8-7A26-EA41-9ECF-248904B8BE39}" sibTransId="{5C4F3999-9512-7241-8774-6636626DAF59}"/>
     <dgm:cxn modelId="{3302E30C-968A-0D49-A0A8-2F6E0A48AE09}" srcId="{D166AFD3-739D-9441-BACC-0D40F3A8ABDD}" destId="{56A10E92-B76A-7D44-A4A8-E6531F9657A3}" srcOrd="1" destOrd="0" parTransId="{C0C8A316-DC35-854D-B345-80CC611D2D5B}" sibTransId="{90F66C80-D9F4-E64F-8AA8-E4F45454785C}"/>
-    <dgm:cxn modelId="{CF04A7D4-91A3-7B4D-97F9-49F9222B2604}" srcId="{19B63FC9-451E-384E-B5A1-136F6533022F}" destId="{6D430DA8-6C7A-8C4B-9503-B3CE7A4A4FF5}" srcOrd="2" destOrd="0" parTransId="{B6A53EF8-7A26-EA41-9ECF-248904B8BE39}" sibTransId="{5C4F3999-9512-7241-8774-6636626DAF59}"/>
     <dgm:cxn modelId="{8F873770-E744-B748-80CF-AFA57AC7E08E}" type="presOf" srcId="{D05207F8-8F43-5A48-9673-12E65E7EE490}" destId="{8824A264-7CA3-154B-B415-E7F7427B7565}" srcOrd="0" destOrd="0" presId="urn:microsoft.com/office/officeart/2005/8/layout/lProcess2"/>
     <dgm:cxn modelId="{8CA97506-8588-2541-AEBC-E05119F7F733}" type="presOf" srcId="{FEBAA4CD-30D0-C94C-87DF-D841B0EE5B73}" destId="{776EA7F8-072D-5D40-A66F-563C41987560}" srcOrd="0" destOrd="0" presId="urn:microsoft.com/office/officeart/2005/8/layout/lProcess2"/>
     <dgm:cxn modelId="{E960A85D-7D73-B94D-96F2-7A18E075B234}" srcId="{FEBAA4CD-30D0-C94C-87DF-D841B0EE5B73}" destId="{EDB40240-B62E-1741-943B-B3F6D72A6E01}" srcOrd="1" destOrd="0" parTransId="{0285E5FF-438C-5641-B131-5AE178219599}" sibTransId="{43AAF29C-C6D7-CE47-B4B8-7E48A8715503}"/>
@@ -14152,7 +14293,7 @@
           <a:p>
             <a:fld id="{0B3F455A-6ACD-2944-9681-EC261ED92CDE}" type="datetimeFigureOut">
               <a:rPr kumimoji="1" lang="ja-JP" altLang="en-US" smtClean="0"/>
-              <a:t>2013/09/27</a:t>
+              <a:t>2013/10/09</a:t>
             </a:fld>
             <a:endParaRPr kumimoji="1" lang="ja-JP" altLang="en-US"/>
           </a:p>
@@ -14354,7 +14495,7 @@
           <a:p>
             <a:fld id="{0B3F455A-6ACD-2944-9681-EC261ED92CDE}" type="datetimeFigureOut">
               <a:rPr kumimoji="1" lang="ja-JP" altLang="en-US" smtClean="0"/>
-              <a:t>2013/09/27</a:t>
+              <a:t>2013/10/09</a:t>
             </a:fld>
             <a:endParaRPr kumimoji="1" lang="ja-JP" altLang="en-US"/>
           </a:p>
@@ -14566,7 +14707,7 @@
           <a:p>
             <a:fld id="{0B3F455A-6ACD-2944-9681-EC261ED92CDE}" type="datetimeFigureOut">
               <a:rPr kumimoji="1" lang="ja-JP" altLang="en-US" smtClean="0"/>
-              <a:t>2013/09/27</a:t>
+              <a:t>2013/10/09</a:t>
             </a:fld>
             <a:endParaRPr kumimoji="1" lang="ja-JP" altLang="en-US"/>
           </a:p>
@@ -14768,7 +14909,7 @@
           <a:p>
             <a:fld id="{0B3F455A-6ACD-2944-9681-EC261ED92CDE}" type="datetimeFigureOut">
               <a:rPr kumimoji="1" lang="ja-JP" altLang="en-US" smtClean="0"/>
-              <a:t>2013/09/27</a:t>
+              <a:t>2013/10/09</a:t>
             </a:fld>
             <a:endParaRPr kumimoji="1" lang="ja-JP" altLang="en-US"/>
           </a:p>
@@ -15014,7 +15155,7 @@
           <a:p>
             <a:fld id="{0B3F455A-6ACD-2944-9681-EC261ED92CDE}" type="datetimeFigureOut">
               <a:rPr kumimoji="1" lang="ja-JP" altLang="en-US" smtClean="0"/>
-              <a:t>2013/09/27</a:t>
+              <a:t>2013/10/09</a:t>
             </a:fld>
             <a:endParaRPr kumimoji="1" lang="ja-JP" altLang="en-US"/>
           </a:p>
@@ -15366,7 +15507,7 @@
           <a:p>
             <a:fld id="{0B3F455A-6ACD-2944-9681-EC261ED92CDE}" type="datetimeFigureOut">
               <a:rPr kumimoji="1" lang="ja-JP" altLang="en-US" smtClean="0"/>
-              <a:t>2013/09/27</a:t>
+              <a:t>2013/10/09</a:t>
             </a:fld>
             <a:endParaRPr kumimoji="1" lang="ja-JP" altLang="en-US"/>
           </a:p>
@@ -15852,7 +15993,7 @@
           <a:p>
             <a:fld id="{0B3F455A-6ACD-2944-9681-EC261ED92CDE}" type="datetimeFigureOut">
               <a:rPr kumimoji="1" lang="ja-JP" altLang="en-US" smtClean="0"/>
-              <a:t>2013/09/27</a:t>
+              <a:t>2013/10/09</a:t>
             </a:fld>
             <a:endParaRPr kumimoji="1" lang="ja-JP" altLang="en-US"/>
           </a:p>
@@ -15970,7 +16111,7 @@
           <a:p>
             <a:fld id="{0B3F455A-6ACD-2944-9681-EC261ED92CDE}" type="datetimeFigureOut">
               <a:rPr kumimoji="1" lang="ja-JP" altLang="en-US" smtClean="0"/>
-              <a:t>2013/09/27</a:t>
+              <a:t>2013/10/09</a:t>
             </a:fld>
             <a:endParaRPr kumimoji="1" lang="ja-JP" altLang="en-US"/>
           </a:p>
@@ -16065,7 +16206,7 @@
           <a:p>
             <a:fld id="{0B3F455A-6ACD-2944-9681-EC261ED92CDE}" type="datetimeFigureOut">
               <a:rPr kumimoji="1" lang="ja-JP" altLang="en-US" smtClean="0"/>
-              <a:t>2013/09/27</a:t>
+              <a:t>2013/10/09</a:t>
             </a:fld>
             <a:endParaRPr kumimoji="1" lang="ja-JP" altLang="en-US"/>
           </a:p>
@@ -16374,7 +16515,7 @@
           <a:p>
             <a:fld id="{0B3F455A-6ACD-2944-9681-EC261ED92CDE}" type="datetimeFigureOut">
               <a:rPr kumimoji="1" lang="ja-JP" altLang="en-US" smtClean="0"/>
-              <a:t>2013/09/27</a:t>
+              <a:t>2013/10/09</a:t>
             </a:fld>
             <a:endParaRPr kumimoji="1" lang="ja-JP" altLang="en-US"/>
           </a:p>
@@ -16627,7 +16768,7 @@
           <a:p>
             <a:fld id="{0B3F455A-6ACD-2944-9681-EC261ED92CDE}" type="datetimeFigureOut">
               <a:rPr kumimoji="1" lang="ja-JP" altLang="en-US" smtClean="0"/>
-              <a:t>2013/09/27</a:t>
+              <a:t>2013/10/09</a:t>
             </a:fld>
             <a:endParaRPr kumimoji="1" lang="ja-JP" altLang="en-US"/>
           </a:p>
@@ -16872,7 +17013,7 @@
           <a:p>
             <a:fld id="{0B3F455A-6ACD-2944-9681-EC261ED92CDE}" type="datetimeFigureOut">
               <a:rPr kumimoji="1" lang="ja-JP" altLang="en-US" smtClean="0"/>
-              <a:t>2013/09/27</a:t>
+              <a:t>2013/10/09</a:t>
             </a:fld>
             <a:endParaRPr kumimoji="1" lang="ja-JP" altLang="en-US"/>
           </a:p>
@@ -19740,11 +19881,7 @@
             <a:pPr lvl="1"/>
             <a:r>
               <a:rPr kumimoji="1" lang="en-US" altLang="ja-JP" dirty="0" smtClean="0"/>
-              <a:t>reduce</a:t>
-            </a:r>
-            <a:r>
-              <a:rPr kumimoji="1" lang="en-US" altLang="ja-JP" dirty="0" smtClean="0"/>
-              <a:t>/gather/scatter</a:t>
+              <a:t>reduce/gather/scatter</a:t>
             </a:r>
             <a:r>
               <a:rPr kumimoji="1" lang="ja-JP" altLang="en-US" dirty="0" smtClean="0"/>
@@ -20553,6 +20690,2851 @@
 </p:sld>
 </file>
 
+<file path=ppt/slides/slide17.xml><?xml version="1.0" encoding="utf-8"?>
+<p:sld xmlns:a="http://schemas.openxmlformats.org/drawingml/2006/main" xmlns:r="http://schemas.openxmlformats.org/officeDocument/2006/relationships" xmlns:p="http://schemas.openxmlformats.org/presentationml/2006/main">
+  <p:cSld>
+    <p:spTree>
+      <p:nvGrpSpPr>
+        <p:cNvPr id="1" name=""/>
+        <p:cNvGrpSpPr/>
+        <p:nvPr/>
+      </p:nvGrpSpPr>
+      <p:grpSpPr>
+        <a:xfrm>
+          <a:off x="0" y="0"/>
+          <a:ext cx="0" cy="0"/>
+          <a:chOff x="0" y="0"/>
+          <a:chExt cx="0" cy="0"/>
+        </a:xfrm>
+      </p:grpSpPr>
+      <p:grpSp>
+        <p:nvGrpSpPr>
+          <p:cNvPr id="34" name="図形グループ 33"/>
+          <p:cNvGrpSpPr/>
+          <p:nvPr/>
+        </p:nvGrpSpPr>
+        <p:grpSpPr>
+          <a:xfrm>
+            <a:off x="2651451" y="384167"/>
+            <a:ext cx="5029872" cy="2525302"/>
+            <a:chOff x="2741947" y="851388"/>
+            <a:chExt cx="5029872" cy="2525302"/>
+          </a:xfrm>
+        </p:grpSpPr>
+        <p:sp>
+          <p:nvSpPr>
+            <p:cNvPr id="4" name="角丸四角形 3"/>
+            <p:cNvSpPr/>
+            <p:nvPr/>
+          </p:nvSpPr>
+          <p:spPr>
+            <a:xfrm>
+              <a:off x="2785231" y="1197714"/>
+              <a:ext cx="3174875" cy="2178976"/>
+            </a:xfrm>
+            <a:prstGeom prst="roundRect">
+              <a:avLst>
+                <a:gd name="adj" fmla="val 10367"/>
+              </a:avLst>
+            </a:prstGeom>
+            <a:noFill/>
+          </p:spPr>
+          <p:style>
+            <a:lnRef idx="1">
+              <a:schemeClr val="accent1"/>
+            </a:lnRef>
+            <a:fillRef idx="3">
+              <a:schemeClr val="accent1"/>
+            </a:fillRef>
+            <a:effectRef idx="2">
+              <a:schemeClr val="accent1"/>
+            </a:effectRef>
+            <a:fontRef idx="minor">
+              <a:schemeClr val="lt1"/>
+            </a:fontRef>
+          </p:style>
+          <p:txBody>
+            <a:bodyPr lIns="0" tIns="0" rIns="0" bIns="0" rtlCol="0" anchor="ctr">
+              <a:normAutofit/>
+            </a:bodyPr>
+            <a:lstStyle/>
+            <a:p>
+              <a:pPr algn="ctr"/>
+              <a:endParaRPr kumimoji="1" lang="ja-JP" altLang="en-US"/>
+            </a:p>
+          </p:txBody>
+        </p:sp>
+        <p:sp>
+          <p:nvSpPr>
+            <p:cNvPr id="7" name="正方形/長方形 6"/>
+            <p:cNvSpPr/>
+            <p:nvPr/>
+          </p:nvSpPr>
+          <p:spPr>
+            <a:xfrm>
+              <a:off x="3968593" y="1544042"/>
+              <a:ext cx="865875" cy="1486321"/>
+            </a:xfrm>
+            <a:prstGeom prst="rect">
+              <a:avLst/>
+            </a:prstGeom>
+            <a:noFill/>
+          </p:spPr>
+          <p:style>
+            <a:lnRef idx="1">
+              <a:schemeClr val="accent1"/>
+            </a:lnRef>
+            <a:fillRef idx="3">
+              <a:schemeClr val="accent1"/>
+            </a:fillRef>
+            <a:effectRef idx="2">
+              <a:schemeClr val="accent1"/>
+            </a:effectRef>
+            <a:fontRef idx="minor">
+              <a:schemeClr val="lt1"/>
+            </a:fontRef>
+          </p:style>
+          <p:txBody>
+            <a:bodyPr rot="0" spcFirstLastPara="0" vertOverflow="overflow" horzOverflow="overflow" vert="horz" wrap="square" lIns="0" tIns="0" rIns="0" bIns="0" numCol="1" spcCol="0" rtlCol="0" fromWordArt="0" anchor="ctr" anchorCtr="0" forceAA="0" compatLnSpc="1">
+              <a:prstTxWarp prst="textNoShape">
+                <a:avLst/>
+              </a:prstTxWarp>
+              <a:normAutofit/>
+            </a:bodyPr>
+            <a:lstStyle/>
+            <a:p>
+              <a:pPr algn="ctr"/>
+              <a:r>
+                <a:rPr kumimoji="1" lang="en-US" altLang="ja-JP" dirty="0" smtClean="0">
+                  <a:solidFill>
+                    <a:schemeClr val="tx1"/>
+                  </a:solidFill>
+                </a:rPr>
+                <a:t>proxy</a:t>
+              </a:r>
+              <a:endParaRPr kumimoji="1" lang="ja-JP" altLang="en-US" dirty="0">
+                <a:solidFill>
+                  <a:schemeClr val="tx1"/>
+                </a:solidFill>
+              </a:endParaRPr>
+            </a:p>
+          </p:txBody>
+        </p:sp>
+        <p:sp>
+          <p:nvSpPr>
+            <p:cNvPr id="8" name="ブローチ 7"/>
+            <p:cNvSpPr/>
+            <p:nvPr/>
+          </p:nvSpPr>
+          <p:spPr>
+            <a:xfrm>
+              <a:off x="2958407" y="1349233"/>
+              <a:ext cx="375212" cy="389618"/>
+            </a:xfrm>
+            <a:prstGeom prst="plaque">
+              <a:avLst/>
+            </a:prstGeom>
+            <a:noFill/>
+          </p:spPr>
+          <p:style>
+            <a:lnRef idx="1">
+              <a:schemeClr val="accent1"/>
+            </a:lnRef>
+            <a:fillRef idx="3">
+              <a:schemeClr val="accent1"/>
+            </a:fillRef>
+            <a:effectRef idx="2">
+              <a:schemeClr val="accent1"/>
+            </a:effectRef>
+            <a:fontRef idx="minor">
+              <a:schemeClr val="lt1"/>
+            </a:fontRef>
+          </p:style>
+          <p:txBody>
+            <a:bodyPr rot="0" spcFirstLastPara="0" vertOverflow="overflow" horzOverflow="overflow" vert="horz" wrap="square" lIns="0" tIns="0" rIns="0" bIns="0" numCol="1" spcCol="0" rtlCol="0" fromWordArt="0" anchor="ctr" anchorCtr="0" forceAA="0" compatLnSpc="1">
+              <a:prstTxWarp prst="textNoShape">
+                <a:avLst/>
+              </a:prstTxWarp>
+              <a:normAutofit/>
+            </a:bodyPr>
+            <a:lstStyle/>
+            <a:p>
+              <a:pPr algn="ctr"/>
+              <a:r>
+                <a:rPr kumimoji="1" lang="en-US" altLang="ja-JP" dirty="0" smtClean="0">
+                  <a:solidFill>
+                    <a:schemeClr val="tx1"/>
+                  </a:solidFill>
+                </a:rPr>
+                <a:t>A</a:t>
+              </a:r>
+              <a:endParaRPr kumimoji="1" lang="ja-JP" altLang="en-US" dirty="0" smtClean="0">
+                <a:solidFill>
+                  <a:schemeClr val="tx1"/>
+                </a:solidFill>
+              </a:endParaRPr>
+            </a:p>
+          </p:txBody>
+        </p:sp>
+        <p:sp>
+          <p:nvSpPr>
+            <p:cNvPr id="9" name="ブローチ 8"/>
+            <p:cNvSpPr/>
+            <p:nvPr/>
+          </p:nvSpPr>
+          <p:spPr>
+            <a:xfrm>
+              <a:off x="2958407" y="1840745"/>
+              <a:ext cx="375212" cy="389618"/>
+            </a:xfrm>
+            <a:prstGeom prst="plaque">
+              <a:avLst/>
+            </a:prstGeom>
+            <a:noFill/>
+          </p:spPr>
+          <p:style>
+            <a:lnRef idx="1">
+              <a:schemeClr val="accent1"/>
+            </a:lnRef>
+            <a:fillRef idx="3">
+              <a:schemeClr val="accent1"/>
+            </a:fillRef>
+            <a:effectRef idx="2">
+              <a:schemeClr val="accent1"/>
+            </a:effectRef>
+            <a:fontRef idx="minor">
+              <a:schemeClr val="lt1"/>
+            </a:fontRef>
+          </p:style>
+          <p:txBody>
+            <a:bodyPr rot="0" spcFirstLastPara="0" vertOverflow="overflow" horzOverflow="overflow" vert="horz" wrap="square" lIns="0" tIns="0" rIns="0" bIns="0" numCol="1" spcCol="0" rtlCol="0" fromWordArt="0" anchor="ctr" anchorCtr="0" forceAA="0" compatLnSpc="1">
+              <a:prstTxWarp prst="textNoShape">
+                <a:avLst/>
+              </a:prstTxWarp>
+              <a:normAutofit/>
+            </a:bodyPr>
+            <a:lstStyle/>
+            <a:p>
+              <a:pPr algn="ctr"/>
+              <a:r>
+                <a:rPr kumimoji="1" lang="en-US" altLang="ja-JP" dirty="0" smtClean="0">
+                  <a:solidFill>
+                    <a:schemeClr val="tx1"/>
+                  </a:solidFill>
+                </a:rPr>
+                <a:t>A</a:t>
+              </a:r>
+              <a:endParaRPr kumimoji="1" lang="ja-JP" altLang="en-US" dirty="0" smtClean="0">
+                <a:solidFill>
+                  <a:schemeClr val="tx1"/>
+                </a:solidFill>
+              </a:endParaRPr>
+            </a:p>
+          </p:txBody>
+        </p:sp>
+        <p:sp>
+          <p:nvSpPr>
+            <p:cNvPr id="10" name="ブローチ 9"/>
+            <p:cNvSpPr/>
+            <p:nvPr/>
+          </p:nvSpPr>
+          <p:spPr>
+            <a:xfrm>
+              <a:off x="2958407" y="2332257"/>
+              <a:ext cx="375212" cy="389618"/>
+            </a:xfrm>
+            <a:prstGeom prst="plaque">
+              <a:avLst/>
+            </a:prstGeom>
+            <a:noFill/>
+          </p:spPr>
+          <p:style>
+            <a:lnRef idx="1">
+              <a:schemeClr val="accent1"/>
+            </a:lnRef>
+            <a:fillRef idx="3">
+              <a:schemeClr val="accent1"/>
+            </a:fillRef>
+            <a:effectRef idx="2">
+              <a:schemeClr val="accent1"/>
+            </a:effectRef>
+            <a:fontRef idx="minor">
+              <a:schemeClr val="lt1"/>
+            </a:fontRef>
+          </p:style>
+          <p:txBody>
+            <a:bodyPr rot="0" spcFirstLastPara="0" vertOverflow="overflow" horzOverflow="overflow" vert="horz" wrap="square" lIns="0" tIns="0" rIns="0" bIns="0" numCol="1" spcCol="0" rtlCol="0" fromWordArt="0" anchor="ctr" anchorCtr="0" forceAA="0" compatLnSpc="1">
+              <a:prstTxWarp prst="textNoShape">
+                <a:avLst/>
+              </a:prstTxWarp>
+              <a:normAutofit/>
+            </a:bodyPr>
+            <a:lstStyle/>
+            <a:p>
+              <a:pPr algn="ctr"/>
+              <a:r>
+                <a:rPr kumimoji="1" lang="en-US" altLang="ja-JP" dirty="0" smtClean="0">
+                  <a:solidFill>
+                    <a:schemeClr val="tx1"/>
+                  </a:solidFill>
+                </a:rPr>
+                <a:t>A</a:t>
+              </a:r>
+              <a:endParaRPr kumimoji="1" lang="ja-JP" altLang="en-US" dirty="0" smtClean="0">
+                <a:solidFill>
+                  <a:schemeClr val="tx1"/>
+                </a:solidFill>
+              </a:endParaRPr>
+            </a:p>
+          </p:txBody>
+        </p:sp>
+        <p:sp>
+          <p:nvSpPr>
+            <p:cNvPr id="11" name="ブローチ 10"/>
+            <p:cNvSpPr/>
+            <p:nvPr/>
+          </p:nvSpPr>
+          <p:spPr>
+            <a:xfrm>
+              <a:off x="2958407" y="2823769"/>
+              <a:ext cx="375212" cy="389618"/>
+            </a:xfrm>
+            <a:prstGeom prst="plaque">
+              <a:avLst/>
+            </a:prstGeom>
+            <a:noFill/>
+          </p:spPr>
+          <p:style>
+            <a:lnRef idx="1">
+              <a:schemeClr val="accent1"/>
+            </a:lnRef>
+            <a:fillRef idx="3">
+              <a:schemeClr val="accent1"/>
+            </a:fillRef>
+            <a:effectRef idx="2">
+              <a:schemeClr val="accent1"/>
+            </a:effectRef>
+            <a:fontRef idx="minor">
+              <a:schemeClr val="lt1"/>
+            </a:fontRef>
+          </p:style>
+          <p:txBody>
+            <a:bodyPr rot="0" spcFirstLastPara="0" vertOverflow="overflow" horzOverflow="overflow" vert="horz" wrap="square" lIns="0" tIns="0" rIns="0" bIns="0" numCol="1" spcCol="0" rtlCol="0" fromWordArt="0" anchor="ctr" anchorCtr="0" forceAA="0" compatLnSpc="1">
+              <a:prstTxWarp prst="textNoShape">
+                <a:avLst/>
+              </a:prstTxWarp>
+              <a:normAutofit/>
+            </a:bodyPr>
+            <a:lstStyle/>
+            <a:p>
+              <a:pPr algn="ctr"/>
+              <a:r>
+                <a:rPr kumimoji="1" lang="en-US" altLang="ja-JP" dirty="0" smtClean="0">
+                  <a:solidFill>
+                    <a:schemeClr val="tx1"/>
+                  </a:solidFill>
+                </a:rPr>
+                <a:t>A</a:t>
+              </a:r>
+              <a:endParaRPr kumimoji="1" lang="ja-JP" altLang="en-US" dirty="0" smtClean="0">
+                <a:solidFill>
+                  <a:schemeClr val="tx1"/>
+                </a:solidFill>
+              </a:endParaRPr>
+            </a:p>
+          </p:txBody>
+        </p:sp>
+        <p:sp>
+          <p:nvSpPr>
+            <p:cNvPr id="16" name="ブローチ 15"/>
+            <p:cNvSpPr/>
+            <p:nvPr/>
+          </p:nvSpPr>
+          <p:spPr>
+            <a:xfrm>
+              <a:off x="5390945" y="1349233"/>
+              <a:ext cx="375212" cy="389618"/>
+            </a:xfrm>
+            <a:prstGeom prst="plaque">
+              <a:avLst/>
+            </a:prstGeom>
+            <a:noFill/>
+          </p:spPr>
+          <p:style>
+            <a:lnRef idx="1">
+              <a:schemeClr val="accent1"/>
+            </a:lnRef>
+            <a:fillRef idx="3">
+              <a:schemeClr val="accent1"/>
+            </a:fillRef>
+            <a:effectRef idx="2">
+              <a:schemeClr val="accent1"/>
+            </a:effectRef>
+            <a:fontRef idx="minor">
+              <a:schemeClr val="lt1"/>
+            </a:fontRef>
+          </p:style>
+          <p:txBody>
+            <a:bodyPr rot="0" spcFirstLastPara="0" vertOverflow="overflow" horzOverflow="overflow" vert="horz" wrap="square" lIns="0" tIns="0" rIns="0" bIns="0" numCol="1" spcCol="0" rtlCol="0" fromWordArt="0" anchor="ctr" anchorCtr="0" forceAA="0" compatLnSpc="1">
+              <a:prstTxWarp prst="textNoShape">
+                <a:avLst/>
+              </a:prstTxWarp>
+              <a:normAutofit/>
+            </a:bodyPr>
+            <a:lstStyle/>
+            <a:p>
+              <a:pPr algn="ctr"/>
+              <a:r>
+                <a:rPr lang="en-US" altLang="ja-JP" dirty="0">
+                  <a:solidFill>
+                    <a:schemeClr val="tx1"/>
+                  </a:solidFill>
+                </a:rPr>
+                <a:t>H</a:t>
+              </a:r>
+              <a:endParaRPr kumimoji="1" lang="ja-JP" altLang="en-US" dirty="0" smtClean="0">
+                <a:solidFill>
+                  <a:schemeClr val="tx1"/>
+                </a:solidFill>
+              </a:endParaRPr>
+            </a:p>
+          </p:txBody>
+        </p:sp>
+        <p:sp>
+          <p:nvSpPr>
+            <p:cNvPr id="17" name="ブローチ 16"/>
+            <p:cNvSpPr/>
+            <p:nvPr/>
+          </p:nvSpPr>
+          <p:spPr>
+            <a:xfrm>
+              <a:off x="5390945" y="1840745"/>
+              <a:ext cx="375212" cy="389618"/>
+            </a:xfrm>
+            <a:prstGeom prst="plaque">
+              <a:avLst/>
+            </a:prstGeom>
+            <a:noFill/>
+          </p:spPr>
+          <p:style>
+            <a:lnRef idx="1">
+              <a:schemeClr val="accent1"/>
+            </a:lnRef>
+            <a:fillRef idx="3">
+              <a:schemeClr val="accent1"/>
+            </a:fillRef>
+            <a:effectRef idx="2">
+              <a:schemeClr val="accent1"/>
+            </a:effectRef>
+            <a:fontRef idx="minor">
+              <a:schemeClr val="lt1"/>
+            </a:fontRef>
+          </p:style>
+          <p:txBody>
+            <a:bodyPr rot="0" spcFirstLastPara="0" vertOverflow="overflow" horzOverflow="overflow" vert="horz" wrap="square" lIns="0" tIns="0" rIns="0" bIns="0" numCol="1" spcCol="0" rtlCol="0" fromWordArt="0" anchor="ctr" anchorCtr="0" forceAA="0" compatLnSpc="1">
+              <a:prstTxWarp prst="textNoShape">
+                <a:avLst/>
+              </a:prstTxWarp>
+              <a:normAutofit/>
+            </a:bodyPr>
+            <a:lstStyle/>
+            <a:p>
+              <a:pPr algn="ctr"/>
+              <a:r>
+                <a:rPr kumimoji="1" lang="en-US" altLang="ja-JP" dirty="0" smtClean="0">
+                  <a:solidFill>
+                    <a:schemeClr val="tx1"/>
+                  </a:solidFill>
+                </a:rPr>
+                <a:t>H</a:t>
+              </a:r>
+              <a:endParaRPr kumimoji="1" lang="ja-JP" altLang="en-US" dirty="0" smtClean="0">
+                <a:solidFill>
+                  <a:schemeClr val="tx1"/>
+                </a:solidFill>
+              </a:endParaRPr>
+            </a:p>
+          </p:txBody>
+        </p:sp>
+        <p:sp>
+          <p:nvSpPr>
+            <p:cNvPr id="18" name="ブローチ 17"/>
+            <p:cNvSpPr/>
+            <p:nvPr/>
+          </p:nvSpPr>
+          <p:spPr>
+            <a:xfrm>
+              <a:off x="5390945" y="2332257"/>
+              <a:ext cx="375212" cy="389618"/>
+            </a:xfrm>
+            <a:prstGeom prst="plaque">
+              <a:avLst/>
+            </a:prstGeom>
+            <a:noFill/>
+          </p:spPr>
+          <p:style>
+            <a:lnRef idx="1">
+              <a:schemeClr val="accent1"/>
+            </a:lnRef>
+            <a:fillRef idx="3">
+              <a:schemeClr val="accent1"/>
+            </a:fillRef>
+            <a:effectRef idx="2">
+              <a:schemeClr val="accent1"/>
+            </a:effectRef>
+            <a:fontRef idx="minor">
+              <a:schemeClr val="lt1"/>
+            </a:fontRef>
+          </p:style>
+          <p:txBody>
+            <a:bodyPr rot="0" spcFirstLastPara="0" vertOverflow="overflow" horzOverflow="overflow" vert="horz" wrap="square" lIns="0" tIns="0" rIns="0" bIns="0" numCol="1" spcCol="0" rtlCol="0" fromWordArt="0" anchor="ctr" anchorCtr="0" forceAA="0" compatLnSpc="1">
+              <a:prstTxWarp prst="textNoShape">
+                <a:avLst/>
+              </a:prstTxWarp>
+              <a:normAutofit/>
+            </a:bodyPr>
+            <a:lstStyle/>
+            <a:p>
+              <a:pPr algn="ctr"/>
+              <a:r>
+                <a:rPr lang="en-US" altLang="ja-JP" dirty="0">
+                  <a:solidFill>
+                    <a:schemeClr val="tx1"/>
+                  </a:solidFill>
+                </a:rPr>
+                <a:t>C</a:t>
+              </a:r>
+              <a:endParaRPr kumimoji="1" lang="ja-JP" altLang="en-US" dirty="0" smtClean="0">
+                <a:solidFill>
+                  <a:schemeClr val="tx1"/>
+                </a:solidFill>
+              </a:endParaRPr>
+            </a:p>
+          </p:txBody>
+        </p:sp>
+        <p:sp>
+          <p:nvSpPr>
+            <p:cNvPr id="19" name="ブローチ 18"/>
+            <p:cNvSpPr/>
+            <p:nvPr/>
+          </p:nvSpPr>
+          <p:spPr>
+            <a:xfrm>
+              <a:off x="5390945" y="2823769"/>
+              <a:ext cx="375212" cy="389618"/>
+            </a:xfrm>
+            <a:prstGeom prst="plaque">
+              <a:avLst/>
+            </a:prstGeom>
+            <a:noFill/>
+          </p:spPr>
+          <p:style>
+            <a:lnRef idx="1">
+              <a:schemeClr val="accent1"/>
+            </a:lnRef>
+            <a:fillRef idx="3">
+              <a:schemeClr val="accent1"/>
+            </a:fillRef>
+            <a:effectRef idx="2">
+              <a:schemeClr val="accent1"/>
+            </a:effectRef>
+            <a:fontRef idx="minor">
+              <a:schemeClr val="lt1"/>
+            </a:fontRef>
+          </p:style>
+          <p:txBody>
+            <a:bodyPr rot="0" spcFirstLastPara="0" vertOverflow="overflow" horzOverflow="overflow" vert="horz" wrap="square" lIns="0" tIns="0" rIns="0" bIns="0" numCol="1" spcCol="0" rtlCol="0" fromWordArt="0" anchor="ctr" anchorCtr="0" forceAA="0" compatLnSpc="1">
+              <a:prstTxWarp prst="textNoShape">
+                <a:avLst/>
+              </a:prstTxWarp>
+              <a:normAutofit/>
+            </a:bodyPr>
+            <a:lstStyle/>
+            <a:p>
+              <a:pPr algn="ctr"/>
+              <a:r>
+                <a:rPr kumimoji="1" lang="en-US" altLang="ja-JP" dirty="0" smtClean="0">
+                  <a:solidFill>
+                    <a:schemeClr val="tx1"/>
+                  </a:solidFill>
+                </a:rPr>
+                <a:t>C</a:t>
+              </a:r>
+              <a:endParaRPr kumimoji="1" lang="ja-JP" altLang="en-US" dirty="0" smtClean="0">
+                <a:solidFill>
+                  <a:schemeClr val="tx1"/>
+                </a:solidFill>
+              </a:endParaRPr>
+            </a:p>
+          </p:txBody>
+        </p:sp>
+        <p:grpSp>
+          <p:nvGrpSpPr>
+            <p:cNvPr id="30" name="図形グループ 29"/>
+            <p:cNvGrpSpPr/>
+            <p:nvPr/>
+          </p:nvGrpSpPr>
+          <p:grpSpPr>
+            <a:xfrm>
+              <a:off x="6040351" y="1197714"/>
+              <a:ext cx="569162" cy="612407"/>
+              <a:chOff x="6098075" y="1197714"/>
+              <a:chExt cx="569162" cy="612407"/>
+            </a:xfrm>
+          </p:grpSpPr>
+          <p:sp>
+            <p:nvSpPr>
+              <p:cNvPr id="20" name="角丸四角形 19"/>
+              <p:cNvSpPr/>
+              <p:nvPr/>
+            </p:nvSpPr>
+            <p:spPr>
+              <a:xfrm>
+                <a:off x="6098075" y="1197714"/>
+                <a:ext cx="569162" cy="612407"/>
+              </a:xfrm>
+              <a:prstGeom prst="roundRect">
+                <a:avLst>
+                  <a:gd name="adj" fmla="val 10367"/>
+                </a:avLst>
+              </a:prstGeom>
+              <a:noFill/>
+            </p:spPr>
+            <p:style>
+              <a:lnRef idx="1">
+                <a:schemeClr val="accent1"/>
+              </a:lnRef>
+              <a:fillRef idx="3">
+                <a:schemeClr val="accent1"/>
+              </a:fillRef>
+              <a:effectRef idx="2">
+                <a:schemeClr val="accent1"/>
+              </a:effectRef>
+              <a:fontRef idx="minor">
+                <a:schemeClr val="lt1"/>
+              </a:fontRef>
+            </p:style>
+            <p:txBody>
+              <a:bodyPr lIns="0" tIns="0" rIns="0" bIns="0" rtlCol="0" anchor="ctr">
+                <a:normAutofit/>
+              </a:bodyPr>
+              <a:lstStyle/>
+              <a:p>
+                <a:pPr algn="ctr"/>
+                <a:endParaRPr kumimoji="1" lang="ja-JP" altLang="en-US"/>
+              </a:p>
+            </p:txBody>
+          </p:sp>
+          <p:sp>
+            <p:nvSpPr>
+              <p:cNvPr id="24" name="ブローチ 23"/>
+              <p:cNvSpPr/>
+              <p:nvPr/>
+            </p:nvSpPr>
+            <p:spPr>
+              <a:xfrm>
+                <a:off x="6195050" y="1309108"/>
+                <a:ext cx="375212" cy="389618"/>
+              </a:xfrm>
+              <a:prstGeom prst="plaque">
+                <a:avLst/>
+              </a:prstGeom>
+              <a:noFill/>
+            </p:spPr>
+            <p:style>
+              <a:lnRef idx="1">
+                <a:schemeClr val="accent1"/>
+              </a:lnRef>
+              <a:fillRef idx="3">
+                <a:schemeClr val="accent1"/>
+              </a:fillRef>
+              <a:effectRef idx="2">
+                <a:schemeClr val="accent1"/>
+              </a:effectRef>
+              <a:fontRef idx="minor">
+                <a:schemeClr val="lt1"/>
+              </a:fontRef>
+            </p:style>
+            <p:txBody>
+              <a:bodyPr rot="0" spcFirstLastPara="0" vertOverflow="overflow" horzOverflow="overflow" vert="horz" wrap="square" lIns="0" tIns="0" rIns="0" bIns="0" numCol="1" spcCol="0" rtlCol="0" fromWordArt="0" anchor="ctr" anchorCtr="0" forceAA="0" compatLnSpc="1">
+                <a:prstTxWarp prst="textNoShape">
+                  <a:avLst/>
+                </a:prstTxWarp>
+                <a:normAutofit/>
+              </a:bodyPr>
+              <a:lstStyle/>
+              <a:p>
+                <a:pPr algn="ctr"/>
+                <a:r>
+                  <a:rPr lang="en-US" altLang="ja-JP" dirty="0">
+                    <a:solidFill>
+                      <a:schemeClr val="tx1"/>
+                    </a:solidFill>
+                  </a:rPr>
+                  <a:t>H</a:t>
+                </a:r>
+                <a:endParaRPr kumimoji="1" lang="ja-JP" altLang="en-US" dirty="0" smtClean="0">
+                  <a:solidFill>
+                    <a:schemeClr val="tx1"/>
+                  </a:solidFill>
+                </a:endParaRPr>
+              </a:p>
+            </p:txBody>
+          </p:sp>
+        </p:grpSp>
+        <p:sp>
+          <p:nvSpPr>
+            <p:cNvPr id="28" name="テキスト ボックス 27"/>
+            <p:cNvSpPr txBox="1"/>
+            <p:nvPr/>
+          </p:nvSpPr>
+          <p:spPr>
+            <a:xfrm>
+              <a:off x="2741947" y="851388"/>
+              <a:ext cx="1422572" cy="369332"/>
+            </a:xfrm>
+            <a:prstGeom prst="rect">
+              <a:avLst/>
+            </a:prstGeom>
+            <a:noFill/>
+          </p:spPr>
+          <p:txBody>
+            <a:bodyPr wrap="none" rtlCol="0">
+              <a:spAutoFit/>
+            </a:bodyPr>
+            <a:lstStyle/>
+            <a:p>
+              <a:r>
+                <a:rPr kumimoji="1" lang="en-US" altLang="ja-JP" dirty="0" smtClean="0"/>
+                <a:t>main process</a:t>
+              </a:r>
+              <a:endParaRPr kumimoji="1" lang="ja-JP" altLang="en-US" dirty="0"/>
+            </a:p>
+          </p:txBody>
+        </p:sp>
+        <p:sp>
+          <p:nvSpPr>
+            <p:cNvPr id="29" name="テキスト ボックス 28"/>
+            <p:cNvSpPr txBox="1"/>
+            <p:nvPr/>
+          </p:nvSpPr>
+          <p:spPr>
+            <a:xfrm>
+              <a:off x="5945678" y="851392"/>
+              <a:ext cx="1826141" cy="369332"/>
+            </a:xfrm>
+            <a:prstGeom prst="rect">
+              <a:avLst/>
+            </a:prstGeom>
+            <a:noFill/>
+          </p:spPr>
+          <p:txBody>
+            <a:bodyPr wrap="none" rtlCol="0">
+              <a:spAutoFit/>
+            </a:bodyPr>
+            <a:lstStyle/>
+            <a:p>
+              <a:r>
+                <a:rPr kumimoji="1" lang="en-US" altLang="ja-JP" dirty="0" smtClean="0"/>
+                <a:t>worker processes</a:t>
+              </a:r>
+              <a:endParaRPr kumimoji="1" lang="ja-JP" altLang="en-US" dirty="0"/>
+            </a:p>
+          </p:txBody>
+        </p:sp>
+        <p:grpSp>
+          <p:nvGrpSpPr>
+            <p:cNvPr id="31" name="図形グループ 30"/>
+            <p:cNvGrpSpPr/>
+            <p:nvPr/>
+          </p:nvGrpSpPr>
+          <p:grpSpPr>
+            <a:xfrm>
+              <a:off x="6697836" y="1205814"/>
+              <a:ext cx="569162" cy="612407"/>
+              <a:chOff x="6098075" y="1197714"/>
+              <a:chExt cx="569162" cy="612407"/>
+            </a:xfrm>
+          </p:grpSpPr>
+          <p:sp>
+            <p:nvSpPr>
+              <p:cNvPr id="32" name="角丸四角形 31"/>
+              <p:cNvSpPr/>
+              <p:nvPr/>
+            </p:nvSpPr>
+            <p:spPr>
+              <a:xfrm>
+                <a:off x="6098075" y="1197714"/>
+                <a:ext cx="569162" cy="612407"/>
+              </a:xfrm>
+              <a:prstGeom prst="roundRect">
+                <a:avLst>
+                  <a:gd name="adj" fmla="val 10367"/>
+                </a:avLst>
+              </a:prstGeom>
+              <a:noFill/>
+            </p:spPr>
+            <p:style>
+              <a:lnRef idx="1">
+                <a:schemeClr val="accent1"/>
+              </a:lnRef>
+              <a:fillRef idx="3">
+                <a:schemeClr val="accent1"/>
+              </a:fillRef>
+              <a:effectRef idx="2">
+                <a:schemeClr val="accent1"/>
+              </a:effectRef>
+              <a:fontRef idx="minor">
+                <a:schemeClr val="lt1"/>
+              </a:fontRef>
+            </p:style>
+            <p:txBody>
+              <a:bodyPr lIns="0" tIns="0" rIns="0" bIns="0" rtlCol="0" anchor="ctr">
+                <a:normAutofit/>
+              </a:bodyPr>
+              <a:lstStyle/>
+              <a:p>
+                <a:pPr algn="ctr"/>
+                <a:endParaRPr kumimoji="1" lang="ja-JP" altLang="en-US"/>
+              </a:p>
+            </p:txBody>
+          </p:sp>
+          <p:sp>
+            <p:nvSpPr>
+              <p:cNvPr id="33" name="ブローチ 32"/>
+              <p:cNvSpPr/>
+              <p:nvPr/>
+            </p:nvSpPr>
+            <p:spPr>
+              <a:xfrm>
+                <a:off x="6195050" y="1309108"/>
+                <a:ext cx="375212" cy="389618"/>
+              </a:xfrm>
+              <a:prstGeom prst="plaque">
+                <a:avLst/>
+              </a:prstGeom>
+              <a:noFill/>
+            </p:spPr>
+            <p:style>
+              <a:lnRef idx="1">
+                <a:schemeClr val="accent1"/>
+              </a:lnRef>
+              <a:fillRef idx="3">
+                <a:schemeClr val="accent1"/>
+              </a:fillRef>
+              <a:effectRef idx="2">
+                <a:schemeClr val="accent1"/>
+              </a:effectRef>
+              <a:fontRef idx="minor">
+                <a:schemeClr val="lt1"/>
+              </a:fontRef>
+            </p:style>
+            <p:txBody>
+              <a:bodyPr rot="0" spcFirstLastPara="0" vertOverflow="overflow" horzOverflow="overflow" vert="horz" wrap="square" lIns="0" tIns="0" rIns="0" bIns="0" numCol="1" spcCol="0" rtlCol="0" fromWordArt="0" anchor="ctr" anchorCtr="0" forceAA="0" compatLnSpc="1">
+                <a:prstTxWarp prst="textNoShape">
+                  <a:avLst/>
+                </a:prstTxWarp>
+                <a:normAutofit/>
+              </a:bodyPr>
+              <a:lstStyle/>
+              <a:p>
+                <a:pPr algn="ctr"/>
+                <a:r>
+                  <a:rPr lang="en-US" altLang="ja-JP" dirty="0">
+                    <a:solidFill>
+                      <a:schemeClr val="tx1"/>
+                    </a:solidFill>
+                  </a:rPr>
+                  <a:t>H</a:t>
+                </a:r>
+                <a:endParaRPr kumimoji="1" lang="ja-JP" altLang="en-US" dirty="0" smtClean="0">
+                  <a:solidFill>
+                    <a:schemeClr val="tx1"/>
+                  </a:solidFill>
+                </a:endParaRPr>
+              </a:p>
+            </p:txBody>
+          </p:sp>
+        </p:grpSp>
+      </p:grpSp>
+      <p:grpSp>
+        <p:nvGrpSpPr>
+          <p:cNvPr id="35" name="図形グループ 34"/>
+          <p:cNvGrpSpPr/>
+          <p:nvPr/>
+        </p:nvGrpSpPr>
+        <p:grpSpPr>
+          <a:xfrm>
+            <a:off x="3492646" y="3898827"/>
+            <a:ext cx="5029872" cy="2525302"/>
+            <a:chOff x="2741947" y="851388"/>
+            <a:chExt cx="5029872" cy="2525302"/>
+          </a:xfrm>
+        </p:grpSpPr>
+        <p:sp>
+          <p:nvSpPr>
+            <p:cNvPr id="36" name="角丸四角形 35"/>
+            <p:cNvSpPr/>
+            <p:nvPr/>
+          </p:nvSpPr>
+          <p:spPr>
+            <a:xfrm>
+              <a:off x="2785231" y="1197714"/>
+              <a:ext cx="3174875" cy="2178976"/>
+            </a:xfrm>
+            <a:prstGeom prst="roundRect">
+              <a:avLst>
+                <a:gd name="adj" fmla="val 10367"/>
+              </a:avLst>
+            </a:prstGeom>
+            <a:noFill/>
+          </p:spPr>
+          <p:style>
+            <a:lnRef idx="1">
+              <a:schemeClr val="accent1"/>
+            </a:lnRef>
+            <a:fillRef idx="3">
+              <a:schemeClr val="accent1"/>
+            </a:fillRef>
+            <a:effectRef idx="2">
+              <a:schemeClr val="accent1"/>
+            </a:effectRef>
+            <a:fontRef idx="minor">
+              <a:schemeClr val="lt1"/>
+            </a:fontRef>
+          </p:style>
+          <p:txBody>
+            <a:bodyPr lIns="0" tIns="0" rIns="0" bIns="0" rtlCol="0" anchor="ctr">
+              <a:normAutofit/>
+            </a:bodyPr>
+            <a:lstStyle/>
+            <a:p>
+              <a:pPr algn="ctr"/>
+              <a:endParaRPr kumimoji="1" lang="ja-JP" altLang="en-US"/>
+            </a:p>
+          </p:txBody>
+        </p:sp>
+        <p:sp>
+          <p:nvSpPr>
+            <p:cNvPr id="37" name="正方形/長方形 36"/>
+            <p:cNvSpPr/>
+            <p:nvPr/>
+          </p:nvSpPr>
+          <p:spPr>
+            <a:xfrm>
+              <a:off x="3968593" y="1544042"/>
+              <a:ext cx="865875" cy="1486321"/>
+            </a:xfrm>
+            <a:prstGeom prst="rect">
+              <a:avLst/>
+            </a:prstGeom>
+            <a:noFill/>
+          </p:spPr>
+          <p:style>
+            <a:lnRef idx="1">
+              <a:schemeClr val="accent1"/>
+            </a:lnRef>
+            <a:fillRef idx="3">
+              <a:schemeClr val="accent1"/>
+            </a:fillRef>
+            <a:effectRef idx="2">
+              <a:schemeClr val="accent1"/>
+            </a:effectRef>
+            <a:fontRef idx="minor">
+              <a:schemeClr val="lt1"/>
+            </a:fontRef>
+          </p:style>
+          <p:txBody>
+            <a:bodyPr rot="0" spcFirstLastPara="0" vertOverflow="overflow" horzOverflow="overflow" vert="horz" wrap="square" lIns="0" tIns="0" rIns="0" bIns="0" numCol="1" spcCol="0" rtlCol="0" fromWordArt="0" anchor="ctr" anchorCtr="0" forceAA="0" compatLnSpc="1">
+              <a:prstTxWarp prst="textNoShape">
+                <a:avLst/>
+              </a:prstTxWarp>
+              <a:normAutofit/>
+            </a:bodyPr>
+            <a:lstStyle/>
+            <a:p>
+              <a:pPr algn="ctr"/>
+              <a:r>
+                <a:rPr kumimoji="1" lang="en-US" altLang="ja-JP" dirty="0" smtClean="0">
+                  <a:solidFill>
+                    <a:schemeClr val="tx1"/>
+                  </a:solidFill>
+                </a:rPr>
+                <a:t>proxy</a:t>
+              </a:r>
+              <a:endParaRPr kumimoji="1" lang="ja-JP" altLang="en-US" dirty="0">
+                <a:solidFill>
+                  <a:schemeClr val="tx1"/>
+                </a:solidFill>
+              </a:endParaRPr>
+            </a:p>
+          </p:txBody>
+        </p:sp>
+        <p:sp>
+          <p:nvSpPr>
+            <p:cNvPr id="38" name="ブローチ 37"/>
+            <p:cNvSpPr/>
+            <p:nvPr/>
+          </p:nvSpPr>
+          <p:spPr>
+            <a:xfrm>
+              <a:off x="2958407" y="1349233"/>
+              <a:ext cx="375212" cy="389618"/>
+            </a:xfrm>
+            <a:prstGeom prst="plaque">
+              <a:avLst/>
+            </a:prstGeom>
+            <a:noFill/>
+          </p:spPr>
+          <p:style>
+            <a:lnRef idx="1">
+              <a:schemeClr val="accent1"/>
+            </a:lnRef>
+            <a:fillRef idx="3">
+              <a:schemeClr val="accent1"/>
+            </a:fillRef>
+            <a:effectRef idx="2">
+              <a:schemeClr val="accent1"/>
+            </a:effectRef>
+            <a:fontRef idx="minor">
+              <a:schemeClr val="lt1"/>
+            </a:fontRef>
+          </p:style>
+          <p:txBody>
+            <a:bodyPr rot="0" spcFirstLastPara="0" vertOverflow="overflow" horzOverflow="overflow" vert="horz" wrap="square" lIns="0" tIns="0" rIns="0" bIns="0" numCol="1" spcCol="0" rtlCol="0" fromWordArt="0" anchor="ctr" anchorCtr="0" forceAA="0" compatLnSpc="1">
+              <a:prstTxWarp prst="textNoShape">
+                <a:avLst/>
+              </a:prstTxWarp>
+              <a:normAutofit/>
+            </a:bodyPr>
+            <a:lstStyle/>
+            <a:p>
+              <a:pPr algn="ctr"/>
+              <a:r>
+                <a:rPr kumimoji="1" lang="en-US" altLang="ja-JP" dirty="0" smtClean="0">
+                  <a:solidFill>
+                    <a:schemeClr val="tx1"/>
+                  </a:solidFill>
+                </a:rPr>
+                <a:t>A</a:t>
+              </a:r>
+              <a:endParaRPr kumimoji="1" lang="ja-JP" altLang="en-US" dirty="0" smtClean="0">
+                <a:solidFill>
+                  <a:schemeClr val="tx1"/>
+                </a:solidFill>
+              </a:endParaRPr>
+            </a:p>
+          </p:txBody>
+        </p:sp>
+        <p:sp>
+          <p:nvSpPr>
+            <p:cNvPr id="39" name="ブローチ 38"/>
+            <p:cNvSpPr/>
+            <p:nvPr/>
+          </p:nvSpPr>
+          <p:spPr>
+            <a:xfrm>
+              <a:off x="2958407" y="1840745"/>
+              <a:ext cx="375212" cy="389618"/>
+            </a:xfrm>
+            <a:prstGeom prst="plaque">
+              <a:avLst/>
+            </a:prstGeom>
+            <a:noFill/>
+          </p:spPr>
+          <p:style>
+            <a:lnRef idx="1">
+              <a:schemeClr val="accent1"/>
+            </a:lnRef>
+            <a:fillRef idx="3">
+              <a:schemeClr val="accent1"/>
+            </a:fillRef>
+            <a:effectRef idx="2">
+              <a:schemeClr val="accent1"/>
+            </a:effectRef>
+            <a:fontRef idx="minor">
+              <a:schemeClr val="lt1"/>
+            </a:fontRef>
+          </p:style>
+          <p:txBody>
+            <a:bodyPr rot="0" spcFirstLastPara="0" vertOverflow="overflow" horzOverflow="overflow" vert="horz" wrap="square" lIns="0" tIns="0" rIns="0" bIns="0" numCol="1" spcCol="0" rtlCol="0" fromWordArt="0" anchor="ctr" anchorCtr="0" forceAA="0" compatLnSpc="1">
+              <a:prstTxWarp prst="textNoShape">
+                <a:avLst/>
+              </a:prstTxWarp>
+              <a:normAutofit/>
+            </a:bodyPr>
+            <a:lstStyle/>
+            <a:p>
+              <a:pPr algn="ctr"/>
+              <a:r>
+                <a:rPr kumimoji="1" lang="en-US" altLang="ja-JP" dirty="0" smtClean="0">
+                  <a:solidFill>
+                    <a:schemeClr val="tx1"/>
+                  </a:solidFill>
+                </a:rPr>
+                <a:t>A</a:t>
+              </a:r>
+              <a:endParaRPr kumimoji="1" lang="ja-JP" altLang="en-US" dirty="0" smtClean="0">
+                <a:solidFill>
+                  <a:schemeClr val="tx1"/>
+                </a:solidFill>
+              </a:endParaRPr>
+            </a:p>
+          </p:txBody>
+        </p:sp>
+        <p:sp>
+          <p:nvSpPr>
+            <p:cNvPr id="40" name="ブローチ 39"/>
+            <p:cNvSpPr/>
+            <p:nvPr/>
+          </p:nvSpPr>
+          <p:spPr>
+            <a:xfrm>
+              <a:off x="2958407" y="2332257"/>
+              <a:ext cx="375212" cy="389618"/>
+            </a:xfrm>
+            <a:prstGeom prst="plaque">
+              <a:avLst/>
+            </a:prstGeom>
+            <a:noFill/>
+          </p:spPr>
+          <p:style>
+            <a:lnRef idx="1">
+              <a:schemeClr val="accent1"/>
+            </a:lnRef>
+            <a:fillRef idx="3">
+              <a:schemeClr val="accent1"/>
+            </a:fillRef>
+            <a:effectRef idx="2">
+              <a:schemeClr val="accent1"/>
+            </a:effectRef>
+            <a:fontRef idx="minor">
+              <a:schemeClr val="lt1"/>
+            </a:fontRef>
+          </p:style>
+          <p:txBody>
+            <a:bodyPr rot="0" spcFirstLastPara="0" vertOverflow="overflow" horzOverflow="overflow" vert="horz" wrap="square" lIns="0" tIns="0" rIns="0" bIns="0" numCol="1" spcCol="0" rtlCol="0" fromWordArt="0" anchor="ctr" anchorCtr="0" forceAA="0" compatLnSpc="1">
+              <a:prstTxWarp prst="textNoShape">
+                <a:avLst/>
+              </a:prstTxWarp>
+              <a:normAutofit/>
+            </a:bodyPr>
+            <a:lstStyle/>
+            <a:p>
+              <a:pPr algn="ctr"/>
+              <a:r>
+                <a:rPr kumimoji="1" lang="en-US" altLang="ja-JP" dirty="0" smtClean="0">
+                  <a:solidFill>
+                    <a:schemeClr val="tx1"/>
+                  </a:solidFill>
+                </a:rPr>
+                <a:t>A</a:t>
+              </a:r>
+              <a:endParaRPr kumimoji="1" lang="ja-JP" altLang="en-US" dirty="0" smtClean="0">
+                <a:solidFill>
+                  <a:schemeClr val="tx1"/>
+                </a:solidFill>
+              </a:endParaRPr>
+            </a:p>
+          </p:txBody>
+        </p:sp>
+        <p:sp>
+          <p:nvSpPr>
+            <p:cNvPr id="41" name="ブローチ 40"/>
+            <p:cNvSpPr/>
+            <p:nvPr/>
+          </p:nvSpPr>
+          <p:spPr>
+            <a:xfrm>
+              <a:off x="2958407" y="2823769"/>
+              <a:ext cx="375212" cy="389618"/>
+            </a:xfrm>
+            <a:prstGeom prst="plaque">
+              <a:avLst/>
+            </a:prstGeom>
+            <a:noFill/>
+          </p:spPr>
+          <p:style>
+            <a:lnRef idx="1">
+              <a:schemeClr val="accent1"/>
+            </a:lnRef>
+            <a:fillRef idx="3">
+              <a:schemeClr val="accent1"/>
+            </a:fillRef>
+            <a:effectRef idx="2">
+              <a:schemeClr val="accent1"/>
+            </a:effectRef>
+            <a:fontRef idx="minor">
+              <a:schemeClr val="lt1"/>
+            </a:fontRef>
+          </p:style>
+          <p:txBody>
+            <a:bodyPr rot="0" spcFirstLastPara="0" vertOverflow="overflow" horzOverflow="overflow" vert="horz" wrap="square" lIns="0" tIns="0" rIns="0" bIns="0" numCol="1" spcCol="0" rtlCol="0" fromWordArt="0" anchor="ctr" anchorCtr="0" forceAA="0" compatLnSpc="1">
+              <a:prstTxWarp prst="textNoShape">
+                <a:avLst/>
+              </a:prstTxWarp>
+              <a:normAutofit/>
+            </a:bodyPr>
+            <a:lstStyle/>
+            <a:p>
+              <a:pPr algn="ctr"/>
+              <a:r>
+                <a:rPr kumimoji="1" lang="en-US" altLang="ja-JP" dirty="0" smtClean="0">
+                  <a:solidFill>
+                    <a:schemeClr val="tx1"/>
+                  </a:solidFill>
+                </a:rPr>
+                <a:t>A</a:t>
+              </a:r>
+              <a:endParaRPr kumimoji="1" lang="ja-JP" altLang="en-US" dirty="0" smtClean="0">
+                <a:solidFill>
+                  <a:schemeClr val="tx1"/>
+                </a:solidFill>
+              </a:endParaRPr>
+            </a:p>
+          </p:txBody>
+        </p:sp>
+        <p:sp>
+          <p:nvSpPr>
+            <p:cNvPr id="42" name="ブローチ 41"/>
+            <p:cNvSpPr/>
+            <p:nvPr/>
+          </p:nvSpPr>
+          <p:spPr>
+            <a:xfrm>
+              <a:off x="5390945" y="1349233"/>
+              <a:ext cx="375212" cy="389618"/>
+            </a:xfrm>
+            <a:prstGeom prst="plaque">
+              <a:avLst/>
+            </a:prstGeom>
+            <a:noFill/>
+          </p:spPr>
+          <p:style>
+            <a:lnRef idx="1">
+              <a:schemeClr val="accent1"/>
+            </a:lnRef>
+            <a:fillRef idx="3">
+              <a:schemeClr val="accent1"/>
+            </a:fillRef>
+            <a:effectRef idx="2">
+              <a:schemeClr val="accent1"/>
+            </a:effectRef>
+            <a:fontRef idx="minor">
+              <a:schemeClr val="lt1"/>
+            </a:fontRef>
+          </p:style>
+          <p:txBody>
+            <a:bodyPr rot="0" spcFirstLastPara="0" vertOverflow="overflow" horzOverflow="overflow" vert="horz" wrap="square" lIns="0" tIns="0" rIns="0" bIns="0" numCol="1" spcCol="0" rtlCol="0" fromWordArt="0" anchor="ctr" anchorCtr="0" forceAA="0" compatLnSpc="1">
+              <a:prstTxWarp prst="textNoShape">
+                <a:avLst/>
+              </a:prstTxWarp>
+              <a:normAutofit/>
+            </a:bodyPr>
+            <a:lstStyle/>
+            <a:p>
+              <a:pPr algn="ctr"/>
+              <a:r>
+                <a:rPr lang="en-US" altLang="ja-JP" dirty="0">
+                  <a:solidFill>
+                    <a:schemeClr val="tx1"/>
+                  </a:solidFill>
+                </a:rPr>
+                <a:t>H</a:t>
+              </a:r>
+              <a:endParaRPr kumimoji="1" lang="ja-JP" altLang="en-US" dirty="0" smtClean="0">
+                <a:solidFill>
+                  <a:schemeClr val="tx1"/>
+                </a:solidFill>
+              </a:endParaRPr>
+            </a:p>
+          </p:txBody>
+        </p:sp>
+        <p:sp>
+          <p:nvSpPr>
+            <p:cNvPr id="43" name="ブローチ 42"/>
+            <p:cNvSpPr/>
+            <p:nvPr/>
+          </p:nvSpPr>
+          <p:spPr>
+            <a:xfrm>
+              <a:off x="5390945" y="1840745"/>
+              <a:ext cx="375212" cy="389618"/>
+            </a:xfrm>
+            <a:prstGeom prst="plaque">
+              <a:avLst/>
+            </a:prstGeom>
+            <a:noFill/>
+          </p:spPr>
+          <p:style>
+            <a:lnRef idx="1">
+              <a:schemeClr val="accent1"/>
+            </a:lnRef>
+            <a:fillRef idx="3">
+              <a:schemeClr val="accent1"/>
+            </a:fillRef>
+            <a:effectRef idx="2">
+              <a:schemeClr val="accent1"/>
+            </a:effectRef>
+            <a:fontRef idx="minor">
+              <a:schemeClr val="lt1"/>
+            </a:fontRef>
+          </p:style>
+          <p:txBody>
+            <a:bodyPr rot="0" spcFirstLastPara="0" vertOverflow="overflow" horzOverflow="overflow" vert="horz" wrap="square" lIns="0" tIns="0" rIns="0" bIns="0" numCol="1" spcCol="0" rtlCol="0" fromWordArt="0" anchor="ctr" anchorCtr="0" forceAA="0" compatLnSpc="1">
+              <a:prstTxWarp prst="textNoShape">
+                <a:avLst/>
+              </a:prstTxWarp>
+              <a:normAutofit/>
+            </a:bodyPr>
+            <a:lstStyle/>
+            <a:p>
+              <a:pPr algn="ctr"/>
+              <a:r>
+                <a:rPr kumimoji="1" lang="en-US" altLang="ja-JP" dirty="0" smtClean="0">
+                  <a:solidFill>
+                    <a:schemeClr val="tx1"/>
+                  </a:solidFill>
+                </a:rPr>
+                <a:t>H</a:t>
+              </a:r>
+              <a:endParaRPr kumimoji="1" lang="ja-JP" altLang="en-US" dirty="0" smtClean="0">
+                <a:solidFill>
+                  <a:schemeClr val="tx1"/>
+                </a:solidFill>
+              </a:endParaRPr>
+            </a:p>
+          </p:txBody>
+        </p:sp>
+        <p:sp>
+          <p:nvSpPr>
+            <p:cNvPr id="44" name="ブローチ 43"/>
+            <p:cNvSpPr/>
+            <p:nvPr/>
+          </p:nvSpPr>
+          <p:spPr>
+            <a:xfrm>
+              <a:off x="5390945" y="2332257"/>
+              <a:ext cx="375212" cy="389618"/>
+            </a:xfrm>
+            <a:prstGeom prst="plaque">
+              <a:avLst/>
+            </a:prstGeom>
+            <a:noFill/>
+          </p:spPr>
+          <p:style>
+            <a:lnRef idx="1">
+              <a:schemeClr val="accent1"/>
+            </a:lnRef>
+            <a:fillRef idx="3">
+              <a:schemeClr val="accent1"/>
+            </a:fillRef>
+            <a:effectRef idx="2">
+              <a:schemeClr val="accent1"/>
+            </a:effectRef>
+            <a:fontRef idx="minor">
+              <a:schemeClr val="lt1"/>
+            </a:fontRef>
+          </p:style>
+          <p:txBody>
+            <a:bodyPr rot="0" spcFirstLastPara="0" vertOverflow="overflow" horzOverflow="overflow" vert="horz" wrap="square" lIns="0" tIns="0" rIns="0" bIns="0" numCol="1" spcCol="0" rtlCol="0" fromWordArt="0" anchor="ctr" anchorCtr="0" forceAA="0" compatLnSpc="1">
+              <a:prstTxWarp prst="textNoShape">
+                <a:avLst/>
+              </a:prstTxWarp>
+              <a:normAutofit/>
+            </a:bodyPr>
+            <a:lstStyle/>
+            <a:p>
+              <a:pPr algn="ctr"/>
+              <a:r>
+                <a:rPr lang="en-US" altLang="ja-JP" dirty="0">
+                  <a:solidFill>
+                    <a:schemeClr val="tx1"/>
+                  </a:solidFill>
+                </a:rPr>
+                <a:t>C</a:t>
+              </a:r>
+              <a:endParaRPr kumimoji="1" lang="ja-JP" altLang="en-US" dirty="0" smtClean="0">
+                <a:solidFill>
+                  <a:schemeClr val="tx1"/>
+                </a:solidFill>
+              </a:endParaRPr>
+            </a:p>
+          </p:txBody>
+        </p:sp>
+        <p:sp>
+          <p:nvSpPr>
+            <p:cNvPr id="45" name="ブローチ 44"/>
+            <p:cNvSpPr/>
+            <p:nvPr/>
+          </p:nvSpPr>
+          <p:spPr>
+            <a:xfrm>
+              <a:off x="5390945" y="2823769"/>
+              <a:ext cx="375212" cy="389618"/>
+            </a:xfrm>
+            <a:prstGeom prst="plaque">
+              <a:avLst/>
+            </a:prstGeom>
+            <a:noFill/>
+          </p:spPr>
+          <p:style>
+            <a:lnRef idx="1">
+              <a:schemeClr val="accent1"/>
+            </a:lnRef>
+            <a:fillRef idx="3">
+              <a:schemeClr val="accent1"/>
+            </a:fillRef>
+            <a:effectRef idx="2">
+              <a:schemeClr val="accent1"/>
+            </a:effectRef>
+            <a:fontRef idx="minor">
+              <a:schemeClr val="lt1"/>
+            </a:fontRef>
+          </p:style>
+          <p:txBody>
+            <a:bodyPr rot="0" spcFirstLastPara="0" vertOverflow="overflow" horzOverflow="overflow" vert="horz" wrap="square" lIns="0" tIns="0" rIns="0" bIns="0" numCol="1" spcCol="0" rtlCol="0" fromWordArt="0" anchor="ctr" anchorCtr="0" forceAA="0" compatLnSpc="1">
+              <a:prstTxWarp prst="textNoShape">
+                <a:avLst/>
+              </a:prstTxWarp>
+              <a:normAutofit/>
+            </a:bodyPr>
+            <a:lstStyle/>
+            <a:p>
+              <a:pPr algn="ctr"/>
+              <a:r>
+                <a:rPr kumimoji="1" lang="en-US" altLang="ja-JP" dirty="0" smtClean="0">
+                  <a:solidFill>
+                    <a:schemeClr val="tx1"/>
+                  </a:solidFill>
+                </a:rPr>
+                <a:t>C</a:t>
+              </a:r>
+              <a:endParaRPr kumimoji="1" lang="ja-JP" altLang="en-US" dirty="0" smtClean="0">
+                <a:solidFill>
+                  <a:schemeClr val="tx1"/>
+                </a:solidFill>
+              </a:endParaRPr>
+            </a:p>
+          </p:txBody>
+        </p:sp>
+        <p:grpSp>
+          <p:nvGrpSpPr>
+            <p:cNvPr id="46" name="図形グループ 45"/>
+            <p:cNvGrpSpPr/>
+            <p:nvPr/>
+          </p:nvGrpSpPr>
+          <p:grpSpPr>
+            <a:xfrm>
+              <a:off x="6040351" y="1197714"/>
+              <a:ext cx="569162" cy="612407"/>
+              <a:chOff x="6098075" y="1197714"/>
+              <a:chExt cx="569162" cy="612407"/>
+            </a:xfrm>
+          </p:grpSpPr>
+          <p:sp>
+            <p:nvSpPr>
+              <p:cNvPr id="52" name="角丸四角形 51"/>
+              <p:cNvSpPr/>
+              <p:nvPr/>
+            </p:nvSpPr>
+            <p:spPr>
+              <a:xfrm>
+                <a:off x="6098075" y="1197714"/>
+                <a:ext cx="569162" cy="612407"/>
+              </a:xfrm>
+              <a:prstGeom prst="roundRect">
+                <a:avLst>
+                  <a:gd name="adj" fmla="val 10367"/>
+                </a:avLst>
+              </a:prstGeom>
+              <a:noFill/>
+            </p:spPr>
+            <p:style>
+              <a:lnRef idx="1">
+                <a:schemeClr val="accent1"/>
+              </a:lnRef>
+              <a:fillRef idx="3">
+                <a:schemeClr val="accent1"/>
+              </a:fillRef>
+              <a:effectRef idx="2">
+                <a:schemeClr val="accent1"/>
+              </a:effectRef>
+              <a:fontRef idx="minor">
+                <a:schemeClr val="lt1"/>
+              </a:fontRef>
+            </p:style>
+            <p:txBody>
+              <a:bodyPr lIns="0" tIns="0" rIns="0" bIns="0" rtlCol="0" anchor="ctr">
+                <a:normAutofit/>
+              </a:bodyPr>
+              <a:lstStyle/>
+              <a:p>
+                <a:pPr algn="ctr"/>
+                <a:endParaRPr kumimoji="1" lang="ja-JP" altLang="en-US"/>
+              </a:p>
+            </p:txBody>
+          </p:sp>
+          <p:sp>
+            <p:nvSpPr>
+              <p:cNvPr id="53" name="ブローチ 52"/>
+              <p:cNvSpPr/>
+              <p:nvPr/>
+            </p:nvSpPr>
+            <p:spPr>
+              <a:xfrm>
+                <a:off x="6195050" y="1309108"/>
+                <a:ext cx="375212" cy="389618"/>
+              </a:xfrm>
+              <a:prstGeom prst="plaque">
+                <a:avLst/>
+              </a:prstGeom>
+              <a:noFill/>
+            </p:spPr>
+            <p:style>
+              <a:lnRef idx="1">
+                <a:schemeClr val="accent1"/>
+              </a:lnRef>
+              <a:fillRef idx="3">
+                <a:schemeClr val="accent1"/>
+              </a:fillRef>
+              <a:effectRef idx="2">
+                <a:schemeClr val="accent1"/>
+              </a:effectRef>
+              <a:fontRef idx="minor">
+                <a:schemeClr val="lt1"/>
+              </a:fontRef>
+            </p:style>
+            <p:txBody>
+              <a:bodyPr rot="0" spcFirstLastPara="0" vertOverflow="overflow" horzOverflow="overflow" vert="horz" wrap="square" lIns="0" tIns="0" rIns="0" bIns="0" numCol="1" spcCol="0" rtlCol="0" fromWordArt="0" anchor="ctr" anchorCtr="0" forceAA="0" compatLnSpc="1">
+                <a:prstTxWarp prst="textNoShape">
+                  <a:avLst/>
+                </a:prstTxWarp>
+                <a:normAutofit/>
+              </a:bodyPr>
+              <a:lstStyle/>
+              <a:p>
+                <a:pPr algn="ctr"/>
+                <a:r>
+                  <a:rPr lang="en-US" altLang="ja-JP" dirty="0">
+                    <a:solidFill>
+                      <a:schemeClr val="tx1"/>
+                    </a:solidFill>
+                  </a:rPr>
+                  <a:t>H</a:t>
+                </a:r>
+                <a:endParaRPr kumimoji="1" lang="ja-JP" altLang="en-US" dirty="0" smtClean="0">
+                  <a:solidFill>
+                    <a:schemeClr val="tx1"/>
+                  </a:solidFill>
+                </a:endParaRPr>
+              </a:p>
+            </p:txBody>
+          </p:sp>
+        </p:grpSp>
+        <p:sp>
+          <p:nvSpPr>
+            <p:cNvPr id="47" name="テキスト ボックス 46"/>
+            <p:cNvSpPr txBox="1"/>
+            <p:nvPr/>
+          </p:nvSpPr>
+          <p:spPr>
+            <a:xfrm>
+              <a:off x="2741947" y="851388"/>
+              <a:ext cx="1422572" cy="369332"/>
+            </a:xfrm>
+            <a:prstGeom prst="rect">
+              <a:avLst/>
+            </a:prstGeom>
+            <a:noFill/>
+          </p:spPr>
+          <p:txBody>
+            <a:bodyPr wrap="none" rtlCol="0">
+              <a:spAutoFit/>
+            </a:bodyPr>
+            <a:lstStyle/>
+            <a:p>
+              <a:r>
+                <a:rPr kumimoji="1" lang="en-US" altLang="ja-JP" dirty="0" smtClean="0"/>
+                <a:t>main process</a:t>
+              </a:r>
+              <a:endParaRPr kumimoji="1" lang="ja-JP" altLang="en-US" dirty="0"/>
+            </a:p>
+          </p:txBody>
+        </p:sp>
+        <p:sp>
+          <p:nvSpPr>
+            <p:cNvPr id="48" name="テキスト ボックス 47"/>
+            <p:cNvSpPr txBox="1"/>
+            <p:nvPr/>
+          </p:nvSpPr>
+          <p:spPr>
+            <a:xfrm>
+              <a:off x="5945678" y="851392"/>
+              <a:ext cx="1826141" cy="369332"/>
+            </a:xfrm>
+            <a:prstGeom prst="rect">
+              <a:avLst/>
+            </a:prstGeom>
+            <a:noFill/>
+          </p:spPr>
+          <p:txBody>
+            <a:bodyPr wrap="none" rtlCol="0">
+              <a:spAutoFit/>
+            </a:bodyPr>
+            <a:lstStyle/>
+            <a:p>
+              <a:r>
+                <a:rPr kumimoji="1" lang="en-US" altLang="ja-JP" dirty="0" smtClean="0"/>
+                <a:t>worker processes</a:t>
+              </a:r>
+              <a:endParaRPr kumimoji="1" lang="ja-JP" altLang="en-US" dirty="0"/>
+            </a:p>
+          </p:txBody>
+        </p:sp>
+        <p:grpSp>
+          <p:nvGrpSpPr>
+            <p:cNvPr id="49" name="図形グループ 48"/>
+            <p:cNvGrpSpPr/>
+            <p:nvPr/>
+          </p:nvGrpSpPr>
+          <p:grpSpPr>
+            <a:xfrm>
+              <a:off x="6697836" y="1205814"/>
+              <a:ext cx="569162" cy="612407"/>
+              <a:chOff x="6098075" y="1197714"/>
+              <a:chExt cx="569162" cy="612407"/>
+            </a:xfrm>
+          </p:grpSpPr>
+          <p:sp>
+            <p:nvSpPr>
+              <p:cNvPr id="50" name="角丸四角形 49"/>
+              <p:cNvSpPr/>
+              <p:nvPr/>
+            </p:nvSpPr>
+            <p:spPr>
+              <a:xfrm>
+                <a:off x="6098075" y="1197714"/>
+                <a:ext cx="569162" cy="612407"/>
+              </a:xfrm>
+              <a:prstGeom prst="roundRect">
+                <a:avLst>
+                  <a:gd name="adj" fmla="val 10367"/>
+                </a:avLst>
+              </a:prstGeom>
+              <a:noFill/>
+            </p:spPr>
+            <p:style>
+              <a:lnRef idx="1">
+                <a:schemeClr val="accent1"/>
+              </a:lnRef>
+              <a:fillRef idx="3">
+                <a:schemeClr val="accent1"/>
+              </a:fillRef>
+              <a:effectRef idx="2">
+                <a:schemeClr val="accent1"/>
+              </a:effectRef>
+              <a:fontRef idx="minor">
+                <a:schemeClr val="lt1"/>
+              </a:fontRef>
+            </p:style>
+            <p:txBody>
+              <a:bodyPr lIns="0" tIns="0" rIns="0" bIns="0" rtlCol="0" anchor="ctr">
+                <a:normAutofit/>
+              </a:bodyPr>
+              <a:lstStyle/>
+              <a:p>
+                <a:pPr algn="ctr"/>
+                <a:endParaRPr kumimoji="1" lang="ja-JP" altLang="en-US"/>
+              </a:p>
+            </p:txBody>
+          </p:sp>
+          <p:sp>
+            <p:nvSpPr>
+              <p:cNvPr id="51" name="ブローチ 50"/>
+              <p:cNvSpPr/>
+              <p:nvPr/>
+            </p:nvSpPr>
+            <p:spPr>
+              <a:xfrm>
+                <a:off x="6195050" y="1309108"/>
+                <a:ext cx="375212" cy="389618"/>
+              </a:xfrm>
+              <a:prstGeom prst="plaque">
+                <a:avLst/>
+              </a:prstGeom>
+              <a:noFill/>
+            </p:spPr>
+            <p:style>
+              <a:lnRef idx="1">
+                <a:schemeClr val="accent1"/>
+              </a:lnRef>
+              <a:fillRef idx="3">
+                <a:schemeClr val="accent1"/>
+              </a:fillRef>
+              <a:effectRef idx="2">
+                <a:schemeClr val="accent1"/>
+              </a:effectRef>
+              <a:fontRef idx="minor">
+                <a:schemeClr val="lt1"/>
+              </a:fontRef>
+            </p:style>
+            <p:txBody>
+              <a:bodyPr rot="0" spcFirstLastPara="0" vertOverflow="overflow" horzOverflow="overflow" vert="horz" wrap="square" lIns="0" tIns="0" rIns="0" bIns="0" numCol="1" spcCol="0" rtlCol="0" fromWordArt="0" anchor="ctr" anchorCtr="0" forceAA="0" compatLnSpc="1">
+                <a:prstTxWarp prst="textNoShape">
+                  <a:avLst/>
+                </a:prstTxWarp>
+                <a:normAutofit/>
+              </a:bodyPr>
+              <a:lstStyle/>
+              <a:p>
+                <a:pPr algn="ctr"/>
+                <a:r>
+                  <a:rPr lang="en-US" altLang="ja-JP" dirty="0">
+                    <a:solidFill>
+                      <a:schemeClr val="tx1"/>
+                    </a:solidFill>
+                  </a:rPr>
+                  <a:t>H</a:t>
+                </a:r>
+                <a:endParaRPr kumimoji="1" lang="ja-JP" altLang="en-US" dirty="0" smtClean="0">
+                  <a:solidFill>
+                    <a:schemeClr val="tx1"/>
+                  </a:solidFill>
+                </a:endParaRPr>
+              </a:p>
+            </p:txBody>
+          </p:sp>
+        </p:grpSp>
+      </p:grpSp>
+      <p:sp>
+        <p:nvSpPr>
+          <p:cNvPr id="54" name="角丸四角形 53"/>
+          <p:cNvSpPr/>
+          <p:nvPr/>
+        </p:nvSpPr>
+        <p:spPr>
+          <a:xfrm>
+            <a:off x="317488" y="3514159"/>
+            <a:ext cx="409226" cy="433905"/>
+          </a:xfrm>
+          <a:prstGeom prst="roundRect">
+            <a:avLst/>
+          </a:prstGeom>
+          <a:noFill/>
+        </p:spPr>
+        <p:style>
+          <a:lnRef idx="1">
+            <a:schemeClr val="accent1"/>
+          </a:lnRef>
+          <a:fillRef idx="3">
+            <a:schemeClr val="accent1"/>
+          </a:fillRef>
+          <a:effectRef idx="2">
+            <a:schemeClr val="accent1"/>
+          </a:effectRef>
+          <a:fontRef idx="minor">
+            <a:schemeClr val="lt1"/>
+          </a:fontRef>
+        </p:style>
+        <p:txBody>
+          <a:bodyPr rot="0" spcFirstLastPara="0" vertOverflow="overflow" horzOverflow="overflow" vert="horz" wrap="square" lIns="0" tIns="0" rIns="0" bIns="0" numCol="1" spcCol="0" rtlCol="0" fromWordArt="0" anchor="ctr" anchorCtr="0" forceAA="0" compatLnSpc="1">
+            <a:prstTxWarp prst="textNoShape">
+              <a:avLst/>
+            </a:prstTxWarp>
+            <a:normAutofit/>
+          </a:bodyPr>
+          <a:lstStyle/>
+          <a:p>
+            <a:pPr algn="ctr"/>
+            <a:endParaRPr kumimoji="1" lang="ja-JP" altLang="en-US" dirty="0" smtClean="0">
+              <a:solidFill>
+                <a:schemeClr val="tx1"/>
+              </a:solidFill>
+            </a:endParaRPr>
+          </a:p>
+        </p:txBody>
+      </p:sp>
+      <p:sp>
+        <p:nvSpPr>
+          <p:cNvPr id="55" name="テキスト ボックス 54"/>
+          <p:cNvSpPr txBox="1"/>
+          <p:nvPr/>
+        </p:nvSpPr>
+        <p:spPr>
+          <a:xfrm>
+            <a:off x="692702" y="3506583"/>
+            <a:ext cx="902811" cy="369332"/>
+          </a:xfrm>
+          <a:prstGeom prst="rect">
+            <a:avLst/>
+          </a:prstGeom>
+          <a:noFill/>
+        </p:spPr>
+        <p:txBody>
+          <a:bodyPr wrap="none" rtlCol="0">
+            <a:spAutoFit/>
+          </a:bodyPr>
+          <a:lstStyle/>
+          <a:p>
+            <a:r>
+              <a:rPr kumimoji="1" lang="en-US" altLang="ja-JP" dirty="0" smtClean="0"/>
+              <a:t>process</a:t>
+            </a:r>
+            <a:endParaRPr kumimoji="1" lang="ja-JP" altLang="en-US" dirty="0"/>
+          </a:p>
+        </p:txBody>
+      </p:sp>
+      <p:sp>
+        <p:nvSpPr>
+          <p:cNvPr id="57" name="ブローチ 56"/>
+          <p:cNvSpPr/>
+          <p:nvPr/>
+        </p:nvSpPr>
+        <p:spPr>
+          <a:xfrm>
+            <a:off x="346350" y="4096815"/>
+            <a:ext cx="375212" cy="389618"/>
+          </a:xfrm>
+          <a:prstGeom prst="plaque">
+            <a:avLst/>
+          </a:prstGeom>
+          <a:noFill/>
+        </p:spPr>
+        <p:style>
+          <a:lnRef idx="1">
+            <a:schemeClr val="accent1"/>
+          </a:lnRef>
+          <a:fillRef idx="3">
+            <a:schemeClr val="accent1"/>
+          </a:fillRef>
+          <a:effectRef idx="2">
+            <a:schemeClr val="accent1"/>
+          </a:effectRef>
+          <a:fontRef idx="minor">
+            <a:schemeClr val="lt1"/>
+          </a:fontRef>
+        </p:style>
+        <p:txBody>
+          <a:bodyPr rot="0" spcFirstLastPara="0" vertOverflow="overflow" horzOverflow="overflow" vert="horz" wrap="square" lIns="0" tIns="0" rIns="0" bIns="0" numCol="1" spcCol="0" rtlCol="0" fromWordArt="0" anchor="ctr" anchorCtr="0" forceAA="0" compatLnSpc="1">
+            <a:prstTxWarp prst="textNoShape">
+              <a:avLst/>
+            </a:prstTxWarp>
+            <a:normAutofit/>
+          </a:bodyPr>
+          <a:lstStyle/>
+          <a:p>
+            <a:pPr algn="ctr"/>
+            <a:r>
+              <a:rPr kumimoji="1" lang="en-US" altLang="ja-JP" dirty="0" smtClean="0">
+                <a:solidFill>
+                  <a:schemeClr val="tx1"/>
+                </a:solidFill>
+              </a:rPr>
+              <a:t>A</a:t>
+            </a:r>
+            <a:endParaRPr kumimoji="1" lang="ja-JP" altLang="en-US" dirty="0" smtClean="0">
+              <a:solidFill>
+                <a:schemeClr val="tx1"/>
+              </a:solidFill>
+            </a:endParaRPr>
+          </a:p>
+        </p:txBody>
+      </p:sp>
+      <p:sp>
+        <p:nvSpPr>
+          <p:cNvPr id="58" name="テキスト ボックス 57"/>
+          <p:cNvSpPr txBox="1"/>
+          <p:nvPr/>
+        </p:nvSpPr>
+        <p:spPr>
+          <a:xfrm>
+            <a:off x="675389" y="4102671"/>
+            <a:ext cx="1551627" cy="369332"/>
+          </a:xfrm>
+          <a:prstGeom prst="rect">
+            <a:avLst/>
+          </a:prstGeom>
+          <a:noFill/>
+        </p:spPr>
+        <p:txBody>
+          <a:bodyPr wrap="none" rtlCol="0">
+            <a:spAutoFit/>
+          </a:bodyPr>
+          <a:lstStyle/>
+          <a:p>
+            <a:r>
+              <a:rPr kumimoji="1" lang="en-US" altLang="ja-JP" dirty="0" smtClean="0"/>
+              <a:t>adapter plugin</a:t>
+            </a:r>
+            <a:endParaRPr kumimoji="1" lang="ja-JP" altLang="en-US" dirty="0"/>
+          </a:p>
+        </p:txBody>
+      </p:sp>
+      <p:sp>
+        <p:nvSpPr>
+          <p:cNvPr id="59" name="ブローチ 58"/>
+          <p:cNvSpPr/>
+          <p:nvPr/>
+        </p:nvSpPr>
+        <p:spPr>
+          <a:xfrm>
+            <a:off x="346350" y="4674387"/>
+            <a:ext cx="375212" cy="389618"/>
+          </a:xfrm>
+          <a:prstGeom prst="plaque">
+            <a:avLst/>
+          </a:prstGeom>
+          <a:noFill/>
+        </p:spPr>
+        <p:style>
+          <a:lnRef idx="1">
+            <a:schemeClr val="accent1"/>
+          </a:lnRef>
+          <a:fillRef idx="3">
+            <a:schemeClr val="accent1"/>
+          </a:fillRef>
+          <a:effectRef idx="2">
+            <a:schemeClr val="accent1"/>
+          </a:effectRef>
+          <a:fontRef idx="minor">
+            <a:schemeClr val="lt1"/>
+          </a:fontRef>
+        </p:style>
+        <p:txBody>
+          <a:bodyPr rot="0" spcFirstLastPara="0" vertOverflow="overflow" horzOverflow="overflow" vert="horz" wrap="square" lIns="0" tIns="0" rIns="0" bIns="0" numCol="1" spcCol="0" rtlCol="0" fromWordArt="0" anchor="ctr" anchorCtr="0" forceAA="0" compatLnSpc="1">
+            <a:prstTxWarp prst="textNoShape">
+              <a:avLst/>
+            </a:prstTxWarp>
+            <a:normAutofit/>
+          </a:bodyPr>
+          <a:lstStyle/>
+          <a:p>
+            <a:pPr algn="ctr"/>
+            <a:r>
+              <a:rPr kumimoji="1" lang="en-US" altLang="ja-JP" dirty="0" smtClean="0">
+                <a:solidFill>
+                  <a:schemeClr val="tx1"/>
+                </a:solidFill>
+              </a:rPr>
+              <a:t>H</a:t>
+            </a:r>
+            <a:endParaRPr kumimoji="1" lang="ja-JP" altLang="en-US" dirty="0" smtClean="0">
+              <a:solidFill>
+                <a:schemeClr val="tx1"/>
+              </a:solidFill>
+            </a:endParaRPr>
+          </a:p>
+        </p:txBody>
+      </p:sp>
+      <p:sp>
+        <p:nvSpPr>
+          <p:cNvPr id="60" name="テキスト ボックス 59"/>
+          <p:cNvSpPr txBox="1"/>
+          <p:nvPr/>
+        </p:nvSpPr>
+        <p:spPr>
+          <a:xfrm>
+            <a:off x="675389" y="4680243"/>
+            <a:ext cx="1537989" cy="369332"/>
+          </a:xfrm>
+          <a:prstGeom prst="rect">
+            <a:avLst/>
+          </a:prstGeom>
+          <a:noFill/>
+        </p:spPr>
+        <p:txBody>
+          <a:bodyPr wrap="none" rtlCol="0">
+            <a:spAutoFit/>
+          </a:bodyPr>
+          <a:lstStyle/>
+          <a:p>
+            <a:r>
+              <a:rPr kumimoji="1" lang="en-US" altLang="ja-JP" dirty="0" smtClean="0"/>
+              <a:t>handler plugin</a:t>
+            </a:r>
+            <a:endParaRPr kumimoji="1" lang="ja-JP" altLang="en-US" dirty="0"/>
+          </a:p>
+        </p:txBody>
+      </p:sp>
+      <p:sp>
+        <p:nvSpPr>
+          <p:cNvPr id="61" name="ブローチ 60"/>
+          <p:cNvSpPr/>
+          <p:nvPr/>
+        </p:nvSpPr>
+        <p:spPr>
+          <a:xfrm>
+            <a:off x="346350" y="5237930"/>
+            <a:ext cx="375212" cy="389618"/>
+          </a:xfrm>
+          <a:prstGeom prst="plaque">
+            <a:avLst/>
+          </a:prstGeom>
+          <a:noFill/>
+        </p:spPr>
+        <p:style>
+          <a:lnRef idx="1">
+            <a:schemeClr val="accent1"/>
+          </a:lnRef>
+          <a:fillRef idx="3">
+            <a:schemeClr val="accent1"/>
+          </a:fillRef>
+          <a:effectRef idx="2">
+            <a:schemeClr val="accent1"/>
+          </a:effectRef>
+          <a:fontRef idx="minor">
+            <a:schemeClr val="lt1"/>
+          </a:fontRef>
+        </p:style>
+        <p:txBody>
+          <a:bodyPr rot="0" spcFirstLastPara="0" vertOverflow="overflow" horzOverflow="overflow" vert="horz" wrap="square" lIns="0" tIns="0" rIns="0" bIns="0" numCol="1" spcCol="0" rtlCol="0" fromWordArt="0" anchor="ctr" anchorCtr="0" forceAA="0" compatLnSpc="1">
+            <a:prstTxWarp prst="textNoShape">
+              <a:avLst/>
+            </a:prstTxWarp>
+            <a:normAutofit/>
+          </a:bodyPr>
+          <a:lstStyle/>
+          <a:p>
+            <a:pPr algn="ctr"/>
+            <a:r>
+              <a:rPr kumimoji="1" lang="en-US" altLang="ja-JP" dirty="0" smtClean="0">
+                <a:solidFill>
+                  <a:schemeClr val="tx1"/>
+                </a:solidFill>
+              </a:rPr>
+              <a:t>C</a:t>
+            </a:r>
+            <a:endParaRPr kumimoji="1" lang="ja-JP" altLang="en-US" dirty="0" smtClean="0">
+              <a:solidFill>
+                <a:schemeClr val="tx1"/>
+              </a:solidFill>
+            </a:endParaRPr>
+          </a:p>
+        </p:txBody>
+      </p:sp>
+      <p:sp>
+        <p:nvSpPr>
+          <p:cNvPr id="62" name="テキスト ボックス 61"/>
+          <p:cNvSpPr txBox="1"/>
+          <p:nvPr/>
+        </p:nvSpPr>
+        <p:spPr>
+          <a:xfrm>
+            <a:off x="675389" y="5243786"/>
+            <a:ext cx="1632553" cy="369332"/>
+          </a:xfrm>
+          <a:prstGeom prst="rect">
+            <a:avLst/>
+          </a:prstGeom>
+          <a:noFill/>
+        </p:spPr>
+        <p:txBody>
+          <a:bodyPr wrap="none" rtlCol="0">
+            <a:spAutoFit/>
+          </a:bodyPr>
+          <a:lstStyle/>
+          <a:p>
+            <a:r>
+              <a:rPr lang="en-US" altLang="ja-JP" dirty="0" smtClean="0"/>
+              <a:t>collector </a:t>
+            </a:r>
+            <a:r>
+              <a:rPr kumimoji="1" lang="en-US" altLang="ja-JP" dirty="0" smtClean="0"/>
+              <a:t>plugin</a:t>
+            </a:r>
+            <a:endParaRPr kumimoji="1" lang="ja-JP" altLang="en-US" dirty="0"/>
+          </a:p>
+        </p:txBody>
+      </p:sp>
+      <p:cxnSp>
+        <p:nvCxnSpPr>
+          <p:cNvPr id="64" name="直線矢印コネクタ 63"/>
+          <p:cNvCxnSpPr/>
+          <p:nvPr/>
+        </p:nvCxnSpPr>
+        <p:spPr>
+          <a:xfrm>
+            <a:off x="288626" y="5972218"/>
+            <a:ext cx="409226" cy="0"/>
+          </a:xfrm>
+          <a:prstGeom prst="straightConnector1">
+            <a:avLst/>
+          </a:prstGeom>
+          <a:ln>
+            <a:tailEnd type="arrow"/>
+          </a:ln>
+        </p:spPr>
+        <p:style>
+          <a:lnRef idx="2">
+            <a:schemeClr val="accent1"/>
+          </a:lnRef>
+          <a:fillRef idx="0">
+            <a:schemeClr val="accent1"/>
+          </a:fillRef>
+          <a:effectRef idx="1">
+            <a:schemeClr val="accent1"/>
+          </a:effectRef>
+          <a:fontRef idx="minor">
+            <a:schemeClr val="tx1"/>
+          </a:fontRef>
+        </p:style>
+      </p:cxnSp>
+      <p:sp>
+        <p:nvSpPr>
+          <p:cNvPr id="65" name="テキスト ボックス 64"/>
+          <p:cNvSpPr txBox="1"/>
+          <p:nvPr/>
+        </p:nvSpPr>
+        <p:spPr>
+          <a:xfrm>
+            <a:off x="663840" y="5786555"/>
+            <a:ext cx="1823035" cy="369332"/>
+          </a:xfrm>
+          <a:prstGeom prst="rect">
+            <a:avLst/>
+          </a:prstGeom>
+          <a:noFill/>
+        </p:spPr>
+        <p:txBody>
+          <a:bodyPr wrap="none" rtlCol="0">
+            <a:spAutoFit/>
+          </a:bodyPr>
+          <a:lstStyle/>
+          <a:p>
+            <a:r>
+              <a:rPr kumimoji="1" lang="en-US" altLang="ja-JP" dirty="0" smtClean="0"/>
+              <a:t>external message</a:t>
+            </a:r>
+            <a:endParaRPr kumimoji="1" lang="ja-JP" altLang="en-US" dirty="0"/>
+          </a:p>
+        </p:txBody>
+      </p:sp>
+      <p:sp>
+        <p:nvSpPr>
+          <p:cNvPr id="66" name="テキスト ボックス 65"/>
+          <p:cNvSpPr txBox="1"/>
+          <p:nvPr/>
+        </p:nvSpPr>
+        <p:spPr>
+          <a:xfrm>
+            <a:off x="671930" y="6169835"/>
+            <a:ext cx="1782459" cy="369332"/>
+          </a:xfrm>
+          <a:prstGeom prst="rect">
+            <a:avLst/>
+          </a:prstGeom>
+          <a:noFill/>
+        </p:spPr>
+        <p:txBody>
+          <a:bodyPr wrap="none" rtlCol="0">
+            <a:spAutoFit/>
+          </a:bodyPr>
+          <a:lstStyle/>
+          <a:p>
+            <a:r>
+              <a:rPr kumimoji="1" lang="en-US" altLang="ja-JP" dirty="0" smtClean="0"/>
+              <a:t>internal message</a:t>
+            </a:r>
+            <a:endParaRPr kumimoji="1" lang="ja-JP" altLang="en-US" dirty="0"/>
+          </a:p>
+        </p:txBody>
+      </p:sp>
+      <p:cxnSp>
+        <p:nvCxnSpPr>
+          <p:cNvPr id="67" name="直線矢印コネクタ 66"/>
+          <p:cNvCxnSpPr/>
+          <p:nvPr/>
+        </p:nvCxnSpPr>
+        <p:spPr>
+          <a:xfrm>
+            <a:off x="296716" y="6413218"/>
+            <a:ext cx="409226" cy="0"/>
+          </a:xfrm>
+          <a:prstGeom prst="straightConnector1">
+            <a:avLst/>
+          </a:prstGeom>
+          <a:ln>
+            <a:prstDash val="sysDash"/>
+            <a:tailEnd type="arrow"/>
+          </a:ln>
+        </p:spPr>
+        <p:style>
+          <a:lnRef idx="2">
+            <a:schemeClr val="accent1"/>
+          </a:lnRef>
+          <a:fillRef idx="0">
+            <a:schemeClr val="accent1"/>
+          </a:fillRef>
+          <a:effectRef idx="1">
+            <a:schemeClr val="accent1"/>
+          </a:effectRef>
+          <a:fontRef idx="minor">
+            <a:schemeClr val="tx1"/>
+          </a:fontRef>
+        </p:style>
+      </p:cxnSp>
+      <p:cxnSp>
+        <p:nvCxnSpPr>
+          <p:cNvPr id="69" name="直線矢印コネクタ 68"/>
+          <p:cNvCxnSpPr>
+            <a:endCxn id="8" idx="1"/>
+          </p:cNvCxnSpPr>
+          <p:nvPr/>
+        </p:nvCxnSpPr>
+        <p:spPr>
+          <a:xfrm>
+            <a:off x="995756" y="1076821"/>
+            <a:ext cx="1872155" cy="0"/>
+          </a:xfrm>
+          <a:prstGeom prst="straightConnector1">
+            <a:avLst/>
+          </a:prstGeom>
+          <a:ln>
+            <a:tailEnd type="arrow"/>
+          </a:ln>
+        </p:spPr>
+        <p:style>
+          <a:lnRef idx="2">
+            <a:schemeClr val="accent1"/>
+          </a:lnRef>
+          <a:fillRef idx="0">
+            <a:schemeClr val="accent1"/>
+          </a:fillRef>
+          <a:effectRef idx="1">
+            <a:schemeClr val="accent1"/>
+          </a:effectRef>
+          <a:fontRef idx="minor">
+            <a:schemeClr val="tx1"/>
+          </a:fontRef>
+        </p:style>
+      </p:cxnSp>
+      <p:cxnSp>
+        <p:nvCxnSpPr>
+          <p:cNvPr id="71" name="曲線コネクタ 70"/>
+          <p:cNvCxnSpPr>
+            <a:stCxn id="8" idx="1"/>
+            <a:endCxn id="9" idx="1"/>
+          </p:cNvCxnSpPr>
+          <p:nvPr/>
+        </p:nvCxnSpPr>
+        <p:spPr>
+          <a:xfrm rot="10800000" flipV="1">
+            <a:off x="2867911" y="1076821"/>
+            <a:ext cx="12700" cy="491512"/>
+          </a:xfrm>
+          <a:prstGeom prst="curvedConnector3">
+            <a:avLst>
+              <a:gd name="adj1" fmla="val 1800000"/>
+            </a:avLst>
+          </a:prstGeom>
+          <a:ln>
+            <a:tailEnd type="arrow"/>
+          </a:ln>
+        </p:spPr>
+        <p:style>
+          <a:lnRef idx="2">
+            <a:schemeClr val="accent1"/>
+          </a:lnRef>
+          <a:fillRef idx="0">
+            <a:schemeClr val="accent1"/>
+          </a:fillRef>
+          <a:effectRef idx="1">
+            <a:schemeClr val="accent1"/>
+          </a:effectRef>
+          <a:fontRef idx="minor">
+            <a:schemeClr val="tx1"/>
+          </a:fontRef>
+        </p:style>
+      </p:cxnSp>
+      <p:cxnSp>
+        <p:nvCxnSpPr>
+          <p:cNvPr id="73" name="直線矢印コネクタ 72"/>
+          <p:cNvCxnSpPr>
+            <a:stCxn id="9" idx="3"/>
+          </p:cNvCxnSpPr>
+          <p:nvPr/>
+        </p:nvCxnSpPr>
+        <p:spPr>
+          <a:xfrm>
+            <a:off x="3243123" y="1568333"/>
+            <a:ext cx="634974" cy="0"/>
+          </a:xfrm>
+          <a:prstGeom prst="straightConnector1">
+            <a:avLst/>
+          </a:prstGeom>
+          <a:ln>
+            <a:tailEnd type="arrow"/>
+          </a:ln>
+        </p:spPr>
+        <p:style>
+          <a:lnRef idx="2">
+            <a:schemeClr val="accent1"/>
+          </a:lnRef>
+          <a:fillRef idx="0">
+            <a:schemeClr val="accent1"/>
+          </a:fillRef>
+          <a:effectRef idx="1">
+            <a:schemeClr val="accent1"/>
+          </a:effectRef>
+          <a:fontRef idx="minor">
+            <a:schemeClr val="tx1"/>
+          </a:fontRef>
+        </p:style>
+      </p:cxnSp>
+      <p:cxnSp>
+        <p:nvCxnSpPr>
+          <p:cNvPr id="75" name="直線矢印コネクタ 74"/>
+          <p:cNvCxnSpPr>
+            <a:endCxn id="10" idx="3"/>
+          </p:cNvCxnSpPr>
+          <p:nvPr/>
+        </p:nvCxnSpPr>
+        <p:spPr>
+          <a:xfrm flipH="1">
+            <a:off x="3243123" y="2049103"/>
+            <a:ext cx="634974" cy="10742"/>
+          </a:xfrm>
+          <a:prstGeom prst="straightConnector1">
+            <a:avLst/>
+          </a:prstGeom>
+          <a:ln>
+            <a:tailEnd type="arrow"/>
+          </a:ln>
+        </p:spPr>
+        <p:style>
+          <a:lnRef idx="2">
+            <a:schemeClr val="accent1"/>
+          </a:lnRef>
+          <a:fillRef idx="0">
+            <a:schemeClr val="accent1"/>
+          </a:fillRef>
+          <a:effectRef idx="1">
+            <a:schemeClr val="accent1"/>
+          </a:effectRef>
+          <a:fontRef idx="minor">
+            <a:schemeClr val="tx1"/>
+          </a:fontRef>
+        </p:style>
+      </p:cxnSp>
+      <p:cxnSp>
+        <p:nvCxnSpPr>
+          <p:cNvPr id="77" name="曲線コネクタ 76"/>
+          <p:cNvCxnSpPr>
+            <a:stCxn id="10" idx="3"/>
+            <a:endCxn id="11" idx="3"/>
+          </p:cNvCxnSpPr>
+          <p:nvPr/>
+        </p:nvCxnSpPr>
+        <p:spPr>
+          <a:xfrm>
+            <a:off x="3243123" y="2059845"/>
+            <a:ext cx="12700" cy="491512"/>
+          </a:xfrm>
+          <a:prstGeom prst="curvedConnector3">
+            <a:avLst>
+              <a:gd name="adj1" fmla="val 1800000"/>
+            </a:avLst>
+          </a:prstGeom>
+          <a:ln>
+            <a:tailEnd type="arrow"/>
+          </a:ln>
+        </p:spPr>
+        <p:style>
+          <a:lnRef idx="2">
+            <a:schemeClr val="accent1"/>
+          </a:lnRef>
+          <a:fillRef idx="0">
+            <a:schemeClr val="accent1"/>
+          </a:fillRef>
+          <a:effectRef idx="1">
+            <a:schemeClr val="accent1"/>
+          </a:effectRef>
+          <a:fontRef idx="minor">
+            <a:schemeClr val="tx1"/>
+          </a:fontRef>
+        </p:style>
+      </p:cxnSp>
+      <p:cxnSp>
+        <p:nvCxnSpPr>
+          <p:cNvPr id="79" name="直線矢印コネクタ 78"/>
+          <p:cNvCxnSpPr>
+            <a:stCxn id="11" idx="1"/>
+          </p:cNvCxnSpPr>
+          <p:nvPr/>
+        </p:nvCxnSpPr>
+        <p:spPr>
+          <a:xfrm flipH="1">
+            <a:off x="995756" y="2551357"/>
+            <a:ext cx="1872155" cy="0"/>
+          </a:xfrm>
+          <a:prstGeom prst="straightConnector1">
+            <a:avLst/>
+          </a:prstGeom>
+          <a:ln>
+            <a:tailEnd type="arrow"/>
+          </a:ln>
+        </p:spPr>
+        <p:style>
+          <a:lnRef idx="2">
+            <a:schemeClr val="accent1"/>
+          </a:lnRef>
+          <a:fillRef idx="0">
+            <a:schemeClr val="accent1"/>
+          </a:fillRef>
+          <a:effectRef idx="1">
+            <a:schemeClr val="accent1"/>
+          </a:effectRef>
+          <a:fontRef idx="minor">
+            <a:schemeClr val="tx1"/>
+          </a:fontRef>
+        </p:style>
+      </p:cxnSp>
+      <p:cxnSp>
+        <p:nvCxnSpPr>
+          <p:cNvPr id="81" name="直線矢印コネクタ 80"/>
+          <p:cNvCxnSpPr>
+            <a:endCxn id="16" idx="1"/>
+          </p:cNvCxnSpPr>
+          <p:nvPr/>
+        </p:nvCxnSpPr>
+        <p:spPr>
+          <a:xfrm flipV="1">
+            <a:off x="4719292" y="1076821"/>
+            <a:ext cx="581157" cy="296703"/>
+          </a:xfrm>
+          <a:prstGeom prst="straightConnector1">
+            <a:avLst/>
+          </a:prstGeom>
+          <a:ln>
+            <a:prstDash val="sysDash"/>
+            <a:tailEnd type="arrow"/>
+          </a:ln>
+        </p:spPr>
+        <p:style>
+          <a:lnRef idx="2">
+            <a:schemeClr val="accent1"/>
+          </a:lnRef>
+          <a:fillRef idx="0">
+            <a:schemeClr val="accent1"/>
+          </a:fillRef>
+          <a:effectRef idx="1">
+            <a:schemeClr val="accent1"/>
+          </a:effectRef>
+          <a:fontRef idx="minor">
+            <a:schemeClr val="tx1"/>
+          </a:fontRef>
+        </p:style>
+      </p:cxnSp>
+      <p:cxnSp>
+        <p:nvCxnSpPr>
+          <p:cNvPr id="83" name="直線矢印コネクタ 82"/>
+          <p:cNvCxnSpPr>
+            <a:stCxn id="16" idx="2"/>
+          </p:cNvCxnSpPr>
+          <p:nvPr/>
+        </p:nvCxnSpPr>
+        <p:spPr>
+          <a:xfrm flipH="1">
+            <a:off x="4719292" y="1271630"/>
+            <a:ext cx="768763" cy="491512"/>
+          </a:xfrm>
+          <a:prstGeom prst="straightConnector1">
+            <a:avLst/>
+          </a:prstGeom>
+          <a:ln>
+            <a:prstDash val="sysDash"/>
+            <a:tailEnd type="arrow"/>
+          </a:ln>
+        </p:spPr>
+        <p:style>
+          <a:lnRef idx="2">
+            <a:schemeClr val="accent1"/>
+          </a:lnRef>
+          <a:fillRef idx="0">
+            <a:schemeClr val="accent1"/>
+          </a:fillRef>
+          <a:effectRef idx="1">
+            <a:schemeClr val="accent1"/>
+          </a:effectRef>
+          <a:fontRef idx="minor">
+            <a:schemeClr val="tx1"/>
+          </a:fontRef>
+        </p:style>
+      </p:cxnSp>
+      <p:cxnSp>
+        <p:nvCxnSpPr>
+          <p:cNvPr id="85" name="曲線コネクタ 84"/>
+          <p:cNvCxnSpPr>
+            <a:endCxn id="37" idx="0"/>
+          </p:cNvCxnSpPr>
+          <p:nvPr/>
+        </p:nvCxnSpPr>
+        <p:spPr>
+          <a:xfrm rot="16200000" flipH="1">
+            <a:off x="3327861" y="2767111"/>
+            <a:ext cx="3240481" cy="408258"/>
+          </a:xfrm>
+          <a:prstGeom prst="curvedConnector3">
+            <a:avLst>
+              <a:gd name="adj1" fmla="val 570"/>
+            </a:avLst>
+          </a:prstGeom>
+          <a:ln>
+            <a:prstDash val="sysDash"/>
+            <a:tailEnd type="arrow"/>
+          </a:ln>
+        </p:spPr>
+        <p:style>
+          <a:lnRef idx="2">
+            <a:schemeClr val="accent1"/>
+          </a:lnRef>
+          <a:fillRef idx="0">
+            <a:schemeClr val="accent1"/>
+          </a:fillRef>
+          <a:effectRef idx="1">
+            <a:schemeClr val="accent1"/>
+          </a:effectRef>
+          <a:fontRef idx="minor">
+            <a:schemeClr val="tx1"/>
+          </a:fontRef>
+        </p:style>
+      </p:cxnSp>
+      <p:cxnSp>
+        <p:nvCxnSpPr>
+          <p:cNvPr id="88" name="直線矢印コネクタ 87"/>
+          <p:cNvCxnSpPr>
+            <a:endCxn id="42" idx="1"/>
+          </p:cNvCxnSpPr>
+          <p:nvPr/>
+        </p:nvCxnSpPr>
+        <p:spPr>
+          <a:xfrm flipV="1">
+            <a:off x="5585167" y="4591481"/>
+            <a:ext cx="556477" cy="194809"/>
+          </a:xfrm>
+          <a:prstGeom prst="straightConnector1">
+            <a:avLst/>
+          </a:prstGeom>
+          <a:ln>
+            <a:prstDash val="sysDash"/>
+            <a:tailEnd type="arrow"/>
+          </a:ln>
+        </p:spPr>
+        <p:style>
+          <a:lnRef idx="2">
+            <a:schemeClr val="accent1"/>
+          </a:lnRef>
+          <a:fillRef idx="0">
+            <a:schemeClr val="accent1"/>
+          </a:fillRef>
+          <a:effectRef idx="1">
+            <a:schemeClr val="accent1"/>
+          </a:effectRef>
+          <a:fontRef idx="minor">
+            <a:schemeClr val="tx1"/>
+          </a:fontRef>
+        </p:style>
+      </p:cxnSp>
+      <p:cxnSp>
+        <p:nvCxnSpPr>
+          <p:cNvPr id="90" name="直線矢印コネクタ 89"/>
+          <p:cNvCxnSpPr>
+            <a:stCxn id="42" idx="2"/>
+          </p:cNvCxnSpPr>
+          <p:nvPr/>
+        </p:nvCxnSpPr>
+        <p:spPr>
+          <a:xfrm flipH="1">
+            <a:off x="5585167" y="4786290"/>
+            <a:ext cx="744083" cy="451640"/>
+          </a:xfrm>
+          <a:prstGeom prst="straightConnector1">
+            <a:avLst/>
+          </a:prstGeom>
+          <a:ln>
+            <a:prstDash val="sysDash"/>
+            <a:tailEnd type="arrow"/>
+          </a:ln>
+        </p:spPr>
+        <p:style>
+          <a:lnRef idx="2">
+            <a:schemeClr val="accent1"/>
+          </a:lnRef>
+          <a:fillRef idx="0">
+            <a:schemeClr val="accent1"/>
+          </a:fillRef>
+          <a:effectRef idx="1">
+            <a:schemeClr val="accent1"/>
+          </a:effectRef>
+          <a:fontRef idx="minor">
+            <a:schemeClr val="tx1"/>
+          </a:fontRef>
+        </p:style>
+      </p:cxnSp>
+      <p:cxnSp>
+        <p:nvCxnSpPr>
+          <p:cNvPr id="92" name="直線矢印コネクタ 91"/>
+          <p:cNvCxnSpPr>
+            <a:endCxn id="44" idx="1"/>
+          </p:cNvCxnSpPr>
+          <p:nvPr/>
+        </p:nvCxnSpPr>
+        <p:spPr>
+          <a:xfrm flipV="1">
+            <a:off x="5585167" y="5574505"/>
+            <a:ext cx="556477" cy="38613"/>
+          </a:xfrm>
+          <a:prstGeom prst="straightConnector1">
+            <a:avLst/>
+          </a:prstGeom>
+          <a:ln>
+            <a:prstDash val="sysDash"/>
+            <a:tailEnd type="arrow"/>
+          </a:ln>
+        </p:spPr>
+        <p:style>
+          <a:lnRef idx="2">
+            <a:schemeClr val="accent1"/>
+          </a:lnRef>
+          <a:fillRef idx="0">
+            <a:schemeClr val="accent1"/>
+          </a:fillRef>
+          <a:effectRef idx="1">
+            <a:schemeClr val="accent1"/>
+          </a:effectRef>
+          <a:fontRef idx="minor">
+            <a:schemeClr val="tx1"/>
+          </a:fontRef>
+        </p:style>
+      </p:cxnSp>
+      <p:cxnSp>
+        <p:nvCxnSpPr>
+          <p:cNvPr id="94" name="直線矢印コネクタ 93"/>
+          <p:cNvCxnSpPr>
+            <a:stCxn id="44" idx="2"/>
+          </p:cNvCxnSpPr>
+          <p:nvPr/>
+        </p:nvCxnSpPr>
+        <p:spPr>
+          <a:xfrm flipH="1">
+            <a:off x="5585167" y="5769314"/>
+            <a:ext cx="744083" cy="101894"/>
+          </a:xfrm>
+          <a:prstGeom prst="straightConnector1">
+            <a:avLst/>
+          </a:prstGeom>
+          <a:ln>
+            <a:prstDash val="sysDash"/>
+            <a:tailEnd type="arrow"/>
+          </a:ln>
+        </p:spPr>
+        <p:style>
+          <a:lnRef idx="2">
+            <a:schemeClr val="accent1"/>
+          </a:lnRef>
+          <a:fillRef idx="0">
+            <a:schemeClr val="accent1"/>
+          </a:fillRef>
+          <a:effectRef idx="1">
+            <a:schemeClr val="accent1"/>
+          </a:effectRef>
+          <a:fontRef idx="minor">
+            <a:schemeClr val="tx1"/>
+          </a:fontRef>
+        </p:style>
+      </p:cxnSp>
+      <p:cxnSp>
+        <p:nvCxnSpPr>
+          <p:cNvPr id="96" name="曲線コネクタ 95"/>
+          <p:cNvCxnSpPr>
+            <a:endCxn id="7" idx="2"/>
+          </p:cNvCxnSpPr>
+          <p:nvPr/>
+        </p:nvCxnSpPr>
+        <p:spPr>
+          <a:xfrm rot="16200000" flipV="1">
+            <a:off x="2912078" y="3962099"/>
+            <a:ext cx="3206172" cy="408257"/>
+          </a:xfrm>
+          <a:prstGeom prst="curvedConnector3">
+            <a:avLst>
+              <a:gd name="adj1" fmla="val 2292"/>
+            </a:avLst>
+          </a:prstGeom>
+          <a:ln>
+            <a:prstDash val="sysDash"/>
+            <a:tailEnd type="arrow"/>
+          </a:ln>
+        </p:spPr>
+        <p:style>
+          <a:lnRef idx="2">
+            <a:schemeClr val="accent1"/>
+          </a:lnRef>
+          <a:fillRef idx="0">
+            <a:schemeClr val="accent1"/>
+          </a:fillRef>
+          <a:effectRef idx="1">
+            <a:schemeClr val="accent1"/>
+          </a:effectRef>
+          <a:fontRef idx="minor">
+            <a:schemeClr val="tx1"/>
+          </a:fontRef>
+        </p:style>
+      </p:cxnSp>
+      <p:cxnSp>
+        <p:nvCxnSpPr>
+          <p:cNvPr id="99" name="直線矢印コネクタ 98"/>
+          <p:cNvCxnSpPr>
+            <a:endCxn id="18" idx="1"/>
+          </p:cNvCxnSpPr>
+          <p:nvPr/>
+        </p:nvCxnSpPr>
+        <p:spPr>
+          <a:xfrm>
+            <a:off x="4743972" y="2059845"/>
+            <a:ext cx="556477" cy="0"/>
+          </a:xfrm>
+          <a:prstGeom prst="straightConnector1">
+            <a:avLst/>
+          </a:prstGeom>
+          <a:ln>
+            <a:prstDash val="sysDash"/>
+            <a:tailEnd type="arrow"/>
+          </a:ln>
+        </p:spPr>
+        <p:style>
+          <a:lnRef idx="2">
+            <a:schemeClr val="accent1"/>
+          </a:lnRef>
+          <a:fillRef idx="0">
+            <a:schemeClr val="accent1"/>
+          </a:fillRef>
+          <a:effectRef idx="1">
+            <a:schemeClr val="accent1"/>
+          </a:effectRef>
+          <a:fontRef idx="minor">
+            <a:schemeClr val="tx1"/>
+          </a:fontRef>
+        </p:style>
+      </p:cxnSp>
+      <p:cxnSp>
+        <p:nvCxnSpPr>
+          <p:cNvPr id="101" name="直線矢印コネクタ 100"/>
+          <p:cNvCxnSpPr>
+            <a:stCxn id="18" idx="2"/>
+          </p:cNvCxnSpPr>
+          <p:nvPr/>
+        </p:nvCxnSpPr>
+        <p:spPr>
+          <a:xfrm flipH="1">
+            <a:off x="4743972" y="2254654"/>
+            <a:ext cx="744083" cy="101894"/>
+          </a:xfrm>
+          <a:prstGeom prst="straightConnector1">
+            <a:avLst/>
+          </a:prstGeom>
+          <a:ln>
+            <a:prstDash val="sysDash"/>
+            <a:tailEnd type="arrow"/>
+          </a:ln>
+        </p:spPr>
+        <p:style>
+          <a:lnRef idx="2">
+            <a:schemeClr val="accent1"/>
+          </a:lnRef>
+          <a:fillRef idx="0">
+            <a:schemeClr val="accent1"/>
+          </a:fillRef>
+          <a:effectRef idx="1">
+            <a:schemeClr val="accent1"/>
+          </a:effectRef>
+          <a:fontRef idx="minor">
+            <a:schemeClr val="tx1"/>
+          </a:fontRef>
+        </p:style>
+      </p:cxnSp>
+      <p:cxnSp>
+        <p:nvCxnSpPr>
+          <p:cNvPr id="103" name="直線コネクタ 102"/>
+          <p:cNvCxnSpPr/>
+          <p:nvPr/>
+        </p:nvCxnSpPr>
+        <p:spPr>
+          <a:xfrm>
+            <a:off x="7234375" y="1047961"/>
+            <a:ext cx="418086" cy="0"/>
+          </a:xfrm>
+          <a:prstGeom prst="line">
+            <a:avLst/>
+          </a:prstGeom>
+          <a:ln>
+            <a:prstDash val="sysDash"/>
+            <a:tailEnd type="none"/>
+          </a:ln>
+        </p:spPr>
+        <p:style>
+          <a:lnRef idx="2">
+            <a:schemeClr val="accent1"/>
+          </a:lnRef>
+          <a:fillRef idx="0">
+            <a:schemeClr val="accent1"/>
+          </a:fillRef>
+          <a:effectRef idx="1">
+            <a:schemeClr val="accent1"/>
+          </a:effectRef>
+          <a:fontRef idx="minor">
+            <a:schemeClr val="tx1"/>
+          </a:fontRef>
+        </p:style>
+      </p:cxnSp>
+      <p:cxnSp>
+        <p:nvCxnSpPr>
+          <p:cNvPr id="104" name="直線コネクタ 103"/>
+          <p:cNvCxnSpPr/>
+          <p:nvPr/>
+        </p:nvCxnSpPr>
+        <p:spPr>
+          <a:xfrm>
+            <a:off x="8060990" y="4591481"/>
+            <a:ext cx="418086" cy="0"/>
+          </a:xfrm>
+          <a:prstGeom prst="line">
+            <a:avLst/>
+          </a:prstGeom>
+          <a:ln>
+            <a:prstDash val="sysDash"/>
+            <a:tailEnd type="none"/>
+          </a:ln>
+        </p:spPr>
+        <p:style>
+          <a:lnRef idx="2">
+            <a:schemeClr val="accent1"/>
+          </a:lnRef>
+          <a:fillRef idx="0">
+            <a:schemeClr val="accent1"/>
+          </a:fillRef>
+          <a:effectRef idx="1">
+            <a:schemeClr val="accent1"/>
+          </a:effectRef>
+          <a:fontRef idx="minor">
+            <a:schemeClr val="tx1"/>
+          </a:fontRef>
+        </p:style>
+      </p:cxnSp>
+    </p:spTree>
+    <p:extLst>
+      <p:ext uri="{BB962C8B-B14F-4D97-AF65-F5344CB8AC3E}">
+        <p14:creationId xmlns:p14="http://schemas.microsoft.com/office/powerpoint/2010/main" val="1191065427"/>
+      </p:ext>
+    </p:extLst>
+  </p:cSld>
+  <p:clrMapOvr>
+    <a:masterClrMapping/>
+  </p:clrMapOvr>
+</p:sld>
+</file>
+
 <file path=ppt/slides/slide2.xml><?xml version="1.0" encoding="utf-8"?>
 <p:sld xmlns:a="http://schemas.openxmlformats.org/drawingml/2006/main" xmlns:r="http://schemas.openxmlformats.org/officeDocument/2006/relationships" xmlns:p="http://schemas.openxmlformats.org/presentationml/2006/main">
   <p:cSld>
@@ -21141,11 +24123,7 @@
           <a:p>
             <a:r>
               <a:rPr kumimoji="1" lang="ja-JP" altLang="en-US" dirty="0" smtClean="0"/>
-              <a:t>システム</a:t>
-            </a:r>
-            <a:r>
-              <a:rPr kumimoji="1" lang="ja-JP" altLang="en-US" dirty="0" smtClean="0"/>
-              <a:t>構成</a:t>
+              <a:t>システム構成</a:t>
             </a:r>
             <a:endParaRPr kumimoji="1" lang="ja-JP" altLang="en-US" dirty="0"/>
           </a:p>
@@ -22755,9 +25733,24 @@
   </a:themeElements>
   <a:objectDefaults>
     <a:spDef>
-      <a:spPr/>
-      <a:bodyPr/>
-      <a:lstStyle/>
+      <a:spPr>
+        <a:noFill/>
+      </a:spPr>
+      <a:bodyPr rot="0" spcFirstLastPara="0" vertOverflow="overflow" horzOverflow="overflow" vert="horz" wrap="square" lIns="0" tIns="0" rIns="0" bIns="0" numCol="1" spcCol="0" rtlCol="0" fromWordArt="0" anchor="ctr" anchorCtr="0" forceAA="0" compatLnSpc="1">
+        <a:prstTxWarp prst="textNoShape">
+          <a:avLst/>
+        </a:prstTxWarp>
+        <a:normAutofit/>
+      </a:bodyPr>
+      <a:lstStyle>
+        <a:defPPr algn="ctr">
+          <a:defRPr kumimoji="1" dirty="0" smtClean="0">
+            <a:solidFill>
+              <a:schemeClr val="tx1"/>
+            </a:solidFill>
+          </a:defRPr>
+        </a:defPPr>
+      </a:lstStyle>
       <a:style>
         <a:lnRef idx="1">
           <a:schemeClr val="accent1"/>
@@ -22774,7 +25767,12 @@
       </a:style>
     </a:spDef>
     <a:lnDef>
-      <a:spPr/>
+      <a:spPr>
+        <a:ln>
+          <a:prstDash val="sysDash"/>
+          <a:tailEnd type="arrow"/>
+        </a:ln>
+      </a:spPr>
       <a:bodyPr/>
       <a:lstStyle/>
       <a:style>
